--- a/figures-ext/multidisc.pptx
+++ b/figures-ext/multidisc.pptx
@@ -104,6 +104,11 @@
       </a:defRPr>
     </a:lvl9pPr>
   </p:defaultTextStyle>
+  <p:extLst>
+    <p:ext uri="{EFAFB233-063F-42B5-8137-9DF3F51BA10A}">
+      <p15:sldGuideLst xmlns:p15="http://schemas.microsoft.com/office/powerpoint/2012/main"/>
+    </p:ext>
+  </p:extLst>
 </p:presentation>
 </file>
 
@@ -256,7 +261,7 @@
           <a:p>
             <a:fld id="{F399F98B-A71E-6341-9A08-C07264DA9E02}" type="datetimeFigureOut">
               <a:rPr lang="en-US" smtClean="0"/>
-              <a:t>4/30/18</a:t>
+              <a:t>6/10/18</a:t>
             </a:fld>
             <a:endParaRPr lang="en-US"/>
           </a:p>
@@ -456,7 +461,7 @@
           <a:p>
             <a:fld id="{F399F98B-A71E-6341-9A08-C07264DA9E02}" type="datetimeFigureOut">
               <a:rPr lang="en-US" smtClean="0"/>
-              <a:t>4/30/18</a:t>
+              <a:t>6/10/18</a:t>
             </a:fld>
             <a:endParaRPr lang="en-US"/>
           </a:p>
@@ -666,7 +671,7 @@
           <a:p>
             <a:fld id="{F399F98B-A71E-6341-9A08-C07264DA9E02}" type="datetimeFigureOut">
               <a:rPr lang="en-US" smtClean="0"/>
-              <a:t>4/30/18</a:t>
+              <a:t>6/10/18</a:t>
             </a:fld>
             <a:endParaRPr lang="en-US"/>
           </a:p>
@@ -866,7 +871,7 @@
           <a:p>
             <a:fld id="{F399F98B-A71E-6341-9A08-C07264DA9E02}" type="datetimeFigureOut">
               <a:rPr lang="en-US" smtClean="0"/>
-              <a:t>4/30/18</a:t>
+              <a:t>6/10/18</a:t>
             </a:fld>
             <a:endParaRPr lang="en-US"/>
           </a:p>
@@ -1142,7 +1147,7 @@
           <a:p>
             <a:fld id="{F399F98B-A71E-6341-9A08-C07264DA9E02}" type="datetimeFigureOut">
               <a:rPr lang="en-US" smtClean="0"/>
-              <a:t>4/30/18</a:t>
+              <a:t>6/10/18</a:t>
             </a:fld>
             <a:endParaRPr lang="en-US"/>
           </a:p>
@@ -1410,7 +1415,7 @@
           <a:p>
             <a:fld id="{F399F98B-A71E-6341-9A08-C07264DA9E02}" type="datetimeFigureOut">
               <a:rPr lang="en-US" smtClean="0"/>
-              <a:t>4/30/18</a:t>
+              <a:t>6/10/18</a:t>
             </a:fld>
             <a:endParaRPr lang="en-US"/>
           </a:p>
@@ -1825,7 +1830,7 @@
           <a:p>
             <a:fld id="{F399F98B-A71E-6341-9A08-C07264DA9E02}" type="datetimeFigureOut">
               <a:rPr lang="en-US" smtClean="0"/>
-              <a:t>4/30/18</a:t>
+              <a:t>6/10/18</a:t>
             </a:fld>
             <a:endParaRPr lang="en-US"/>
           </a:p>
@@ -1967,7 +1972,7 @@
           <a:p>
             <a:fld id="{F399F98B-A71E-6341-9A08-C07264DA9E02}" type="datetimeFigureOut">
               <a:rPr lang="en-US" smtClean="0"/>
-              <a:t>4/30/18</a:t>
+              <a:t>6/10/18</a:t>
             </a:fld>
             <a:endParaRPr lang="en-US"/>
           </a:p>
@@ -2080,7 +2085,7 @@
           <a:p>
             <a:fld id="{F399F98B-A71E-6341-9A08-C07264DA9E02}" type="datetimeFigureOut">
               <a:rPr lang="en-US" smtClean="0"/>
-              <a:t>4/30/18</a:t>
+              <a:t>6/10/18</a:t>
             </a:fld>
             <a:endParaRPr lang="en-US"/>
           </a:p>
@@ -2393,7 +2398,7 @@
           <a:p>
             <a:fld id="{F399F98B-A71E-6341-9A08-C07264DA9E02}" type="datetimeFigureOut">
               <a:rPr lang="en-US" smtClean="0"/>
-              <a:t>4/30/18</a:t>
+              <a:t>6/10/18</a:t>
             </a:fld>
             <a:endParaRPr lang="en-US"/>
           </a:p>
@@ -2682,7 +2687,7 @@
           <a:p>
             <a:fld id="{F399F98B-A71E-6341-9A08-C07264DA9E02}" type="datetimeFigureOut">
               <a:rPr lang="en-US" smtClean="0"/>
-              <a:t>4/30/18</a:t>
+              <a:t>6/10/18</a:t>
             </a:fld>
             <a:endParaRPr lang="en-US"/>
           </a:p>
@@ -2925,7 +2930,7 @@
           <a:p>
             <a:fld id="{F399F98B-A71E-6341-9A08-C07264DA9E02}" type="datetimeFigureOut">
               <a:rPr lang="en-US" smtClean="0"/>
-              <a:t>4/30/18</a:t>
+              <a:t>6/10/18</a:t>
             </a:fld>
             <a:endParaRPr lang="en-US"/>
           </a:p>
@@ -3356,7 +3361,7 @@
         </p:nvGrpSpPr>
         <p:grpSpPr>
           <a:xfrm>
-            <a:off x="5564543" y="1242924"/>
+            <a:off x="5468290" y="1242924"/>
             <a:ext cx="2618509" cy="2330975"/>
             <a:chOff x="4539099" y="1245724"/>
             <a:chExt cx="2618509" cy="2330975"/>
@@ -3798,7 +3803,7 @@
         </p:nvGrpSpPr>
         <p:grpSpPr>
           <a:xfrm>
-            <a:off x="2826571" y="1237931"/>
+            <a:off x="2730318" y="1237931"/>
             <a:ext cx="2618509" cy="2330975"/>
             <a:chOff x="1160814" y="1246909"/>
             <a:chExt cx="2618509" cy="2330975"/>
@@ -4099,8 +4104,8 @@
           </p:nvSpPr>
           <p:spPr>
             <a:xfrm rot="19995186">
-              <a:off x="1695289" y="2274268"/>
-              <a:ext cx="679994" cy="461665"/>
+              <a:off x="1664031" y="2274268"/>
+              <a:ext cx="742511" cy="461665"/>
             </a:xfrm>
             <a:prstGeom prst="rect">
               <a:avLst/>
@@ -4115,7 +4120,7 @@
             <a:p>
               <a:r>
                 <a:rPr lang="en-US" sz="2400" dirty="0"/>
-                <a:t>A+C</a:t>
+                <a:t>A∩C</a:t>
               </a:r>
             </a:p>
           </p:txBody>
@@ -4134,8 +4139,8 @@
           </p:nvSpPr>
           <p:spPr>
             <a:xfrm>
-              <a:off x="2138888" y="2011383"/>
-              <a:ext cx="662361" cy="307777"/>
+              <a:off x="2114824" y="2011383"/>
+              <a:ext cx="736099" cy="307777"/>
             </a:xfrm>
             <a:prstGeom prst="rect">
               <a:avLst/>
@@ -4150,7 +4155,7 @@
             <a:p>
               <a:r>
                 <a:rPr lang="en-US" sz="1400" dirty="0"/>
-                <a:t>A+B+C</a:t>
+                <a:t>A∩B∩C</a:t>
               </a:r>
             </a:p>
           </p:txBody>
@@ -4169,8 +4174,8 @@
           </p:nvSpPr>
           <p:spPr>
             <a:xfrm rot="2168312">
-              <a:off x="2537164" y="2255714"/>
-              <a:ext cx="668773" cy="461665"/>
+              <a:off x="2505906" y="2255714"/>
+              <a:ext cx="731290" cy="461665"/>
             </a:xfrm>
             <a:prstGeom prst="rect">
               <a:avLst/>
@@ -4185,7 +4190,7 @@
             <a:p>
               <a:r>
                 <a:rPr lang="en-US" sz="2400" dirty="0"/>
-                <a:t>B+C</a:t>
+                <a:t>B∩C</a:t>
               </a:r>
             </a:p>
           </p:txBody>
@@ -4204,8 +4209,8 @@
           </p:nvSpPr>
           <p:spPr>
             <a:xfrm rot="5400000">
-              <a:off x="2214311" y="1579047"/>
-              <a:ext cx="558166" cy="369332"/>
+              <a:off x="2191068" y="1579047"/>
+              <a:ext cx="604653" cy="369332"/>
             </a:xfrm>
             <a:prstGeom prst="rect">
               <a:avLst/>
@@ -4220,7 +4225,7 @@
             <a:p>
               <a:r>
                 <a:rPr lang="en-US" dirty="0"/>
-                <a:t>A+B</a:t>
+                <a:t>A∩B</a:t>
               </a:r>
             </a:p>
           </p:txBody>
@@ -4241,14 +4246,14 @@
           <p:nvPr>
             <p:extLst>
               <p:ext uri="{D42A27DB-BD31-4B8C-83A1-F6EECF244321}">
-                <p14:modId xmlns:p14="http://schemas.microsoft.com/office/powerpoint/2010/main" val="4167571123"/>
+                <p14:modId xmlns:p14="http://schemas.microsoft.com/office/powerpoint/2010/main" val="3035037919"/>
               </p:ext>
             </p:extLst>
           </p:nvPr>
         </p:nvGraphicFramePr>
         <p:xfrm>
-          <a:off x="1500544" y="4332195"/>
-          <a:ext cx="8127999" cy="1902354"/>
+          <a:off x="2758957" y="4295827"/>
+          <a:ext cx="5418666" cy="1902354"/>
         </p:xfrm>
         <a:graphic>
           <a:graphicData uri="http://schemas.openxmlformats.org/drawingml/2006/table">
@@ -4257,13 +4262,6 @@
                 <a:tableStyleId>{7E9639D4-E3E2-4D34-9284-5A2195B3D0D7}</a:tableStyleId>
               </a:tblPr>
               <a:tblGrid>
-                <a:gridCol w="2709333">
-                  <a:extLst>
-                    <a:ext uri="{9D8B030D-6E8A-4147-A177-3AD203B41FA5}">
-                      <a16:colId xmlns:a16="http://schemas.microsoft.com/office/drawing/2014/main" val="3782345493"/>
-                    </a:ext>
-                  </a:extLst>
-                </a:gridCol>
                 <a:gridCol w="2709333">
                   <a:extLst>
                     <a:ext uri="{9D8B030D-6E8A-4147-A177-3AD203B41FA5}">
@@ -4285,49 +4283,23 @@
                     <a:bodyPr/>
                     <a:lstStyle/>
                     <a:p>
-                      <a:pPr algn="ctr"/>
-                      <a:r>
-                        <a:rPr lang="en-US" dirty="0"/>
-                        <a:t>Disciplines</a:t>
-                      </a:r>
-                    </a:p>
-                  </a:txBody>
-                  <a:tcPr>
-                    <a:lnL w="12700" cap="flat" cmpd="sng" algn="ctr">
-                      <a:solidFill>
-                        <a:schemeClr val="tx1"/>
-                      </a:solidFill>
-                      <a:prstDash val="solid"/>
-                      <a:round/>
-                      <a:headEnd type="none" w="med" len="med"/>
-                      <a:tailEnd type="none" w="med" len="med"/>
-                    </a:lnL>
-                    <a:lnR w="12700" cap="flat" cmpd="sng" algn="ctr">
-                      <a:solidFill>
-                        <a:schemeClr val="tx1"/>
-                      </a:solidFill>
-                      <a:prstDash val="solid"/>
-                      <a:round/>
-                      <a:headEnd type="none" w="med" len="med"/>
-                      <a:tailEnd type="none" w="med" len="med"/>
-                    </a:lnR>
-                    <a:lnT w="12700" cap="flat" cmpd="sng" algn="ctr">
-                      <a:solidFill>
-                        <a:schemeClr val="tx1"/>
-                      </a:solidFill>
-                      <a:prstDash val="solid"/>
-                      <a:round/>
-                      <a:headEnd type="none" w="med" len="med"/>
-                      <a:tailEnd type="none" w="med" len="med"/>
-                    </a:lnT>
-                  </a:tcPr>
-                </a:tc>
-                <a:tc>
-                  <a:txBody>
-                    <a:bodyPr/>
-                    <a:lstStyle/>
-                    <a:p>
-                      <a:pPr algn="ctr"/>
+                      <a:pPr marL="0" marR="0" lvl="0" indent="0" algn="ctr" defTabSz="914400" rtl="0" eaLnBrk="1" fontAlgn="auto" latinLnBrk="0" hangingPunct="1">
+                        <a:lnSpc>
+                          <a:spcPct val="100000"/>
+                        </a:lnSpc>
+                        <a:spcBef>
+                          <a:spcPts val="0"/>
+                        </a:spcBef>
+                        <a:spcAft>
+                          <a:spcPts val="0"/>
+                        </a:spcAft>
+                        <a:buClrTx/>
+                        <a:buSzTx/>
+                        <a:buFontTx/>
+                        <a:buNone/>
+                        <a:tabLst/>
+                        <a:defRPr/>
+                      </a:pPr>
                       <a:r>
                         <a:rPr lang="en-US" dirty="0" err="1"/>
                         <a:t>Multidisciplinarity</a:t>
@@ -4422,7 +4394,7 @@
                       <a:pPr algn="ctr"/>
                       <a:r>
                         <a:rPr lang="en-US" dirty="0"/>
-                        <a:t>A; B; C</a:t>
+                        <a:t>A∩B∩C</a:t>
                       </a:r>
                     </a:p>
                   </a:txBody>
@@ -4455,40 +4427,7 @@
                       <a:pPr algn="ctr"/>
                       <a:r>
                         <a:rPr lang="en-US" dirty="0"/>
-                        <a:t>A+B+C</a:t>
-                      </a:r>
-                    </a:p>
-                  </a:txBody>
-                  <a:tcPr>
-                    <a:lnL w="12700" cap="flat" cmpd="sng" algn="ctr">
-                      <a:solidFill>
-                        <a:schemeClr val="tx1"/>
-                      </a:solidFill>
-                      <a:prstDash val="solid"/>
-                      <a:round/>
-                      <a:headEnd type="none" w="med" len="med"/>
-                      <a:tailEnd type="none" w="med" len="med"/>
-                    </a:lnL>
-                    <a:lnR w="12700" cap="flat" cmpd="sng" algn="ctr">
-                      <a:solidFill>
-                        <a:schemeClr val="tx1"/>
-                      </a:solidFill>
-                      <a:prstDash val="solid"/>
-                      <a:round/>
-                      <a:headEnd type="none" w="med" len="med"/>
-                      <a:tailEnd type="none" w="med" len="med"/>
-                    </a:lnR>
-                  </a:tcPr>
-                </a:tc>
-                <a:tc>
-                  <a:txBody>
-                    <a:bodyPr/>
-                    <a:lstStyle/>
-                    <a:p>
-                      <a:pPr algn="ctr"/>
-                      <a:r>
-                        <a:rPr lang="en-US" dirty="0"/>
-                        <a:t>A+B+C &lt; E</a:t>
+                        <a:t>A∩B∩C &lt; H</a:t>
                       </a:r>
                     </a:p>
                   </a:txBody>
@@ -4526,39 +4465,9 @@
                     <a:lstStyle/>
                     <a:p>
                       <a:pPr algn="ctr"/>
-                      <a:endParaRPr lang="en-US" dirty="0"/>
-                    </a:p>
-                  </a:txBody>
-                  <a:tcPr>
-                    <a:lnL w="12700" cap="flat" cmpd="sng" algn="ctr">
-                      <a:solidFill>
-                        <a:schemeClr val="tx1"/>
-                      </a:solidFill>
-                      <a:prstDash val="solid"/>
-                      <a:round/>
-                      <a:headEnd type="none" w="med" len="med"/>
-                      <a:tailEnd type="none" w="med" len="med"/>
-                    </a:lnL>
-                    <a:lnR w="12700" cap="flat" cmpd="sng" algn="ctr">
-                      <a:solidFill>
-                        <a:schemeClr val="tx1"/>
-                      </a:solidFill>
-                      <a:prstDash val="solid"/>
-                      <a:round/>
-                      <a:headEnd type="none" w="med" len="med"/>
-                      <a:tailEnd type="none" w="med" len="med"/>
-                    </a:lnR>
-                  </a:tcPr>
-                </a:tc>
-                <a:tc>
-                  <a:txBody>
-                    <a:bodyPr/>
-                    <a:lstStyle/>
-                    <a:p>
-                      <a:pPr algn="ctr"/>
                       <a:r>
                         <a:rPr lang="en-US" dirty="0"/>
-                        <a:t>A+B</a:t>
+                        <a:t>A∩B</a:t>
                       </a:r>
                     </a:p>
                   </a:txBody>
@@ -4591,7 +4500,7 @@
                       <a:pPr algn="ctr"/>
                       <a:r>
                         <a:rPr lang="en-US" dirty="0"/>
-                        <a:t>A+B &lt; F</a:t>
+                        <a:t>A∩B &lt; E</a:t>
                       </a:r>
                     </a:p>
                   </a:txBody>
@@ -4629,39 +4538,9 @@
                     <a:lstStyle/>
                     <a:p>
                       <a:pPr algn="ctr"/>
-                      <a:endParaRPr lang="en-US"/>
-                    </a:p>
-                  </a:txBody>
-                  <a:tcPr>
-                    <a:lnL w="12700" cap="flat" cmpd="sng" algn="ctr">
-                      <a:solidFill>
-                        <a:schemeClr val="tx1"/>
-                      </a:solidFill>
-                      <a:prstDash val="solid"/>
-                      <a:round/>
-                      <a:headEnd type="none" w="med" len="med"/>
-                      <a:tailEnd type="none" w="med" len="med"/>
-                    </a:lnL>
-                    <a:lnR w="12700" cap="flat" cmpd="sng" algn="ctr">
-                      <a:solidFill>
-                        <a:schemeClr val="tx1"/>
-                      </a:solidFill>
-                      <a:prstDash val="solid"/>
-                      <a:round/>
-                      <a:headEnd type="none" w="med" len="med"/>
-                      <a:tailEnd type="none" w="med" len="med"/>
-                    </a:lnR>
-                  </a:tcPr>
-                </a:tc>
-                <a:tc>
-                  <a:txBody>
-                    <a:bodyPr/>
-                    <a:lstStyle/>
-                    <a:p>
-                      <a:pPr algn="ctr"/>
                       <a:r>
                         <a:rPr lang="en-US" dirty="0"/>
-                        <a:t>B+C</a:t>
+                        <a:t>B∩C</a:t>
                       </a:r>
                     </a:p>
                   </a:txBody>
@@ -4694,7 +4573,7 @@
                       <a:pPr algn="ctr"/>
                       <a:r>
                         <a:rPr lang="en-US" dirty="0"/>
-                        <a:t>B+C &lt; G</a:t>
+                        <a:t>B∩C &lt; F</a:t>
                       </a:r>
                     </a:p>
                   </a:txBody>
@@ -4732,48 +4611,9 @@
                     <a:lstStyle/>
                     <a:p>
                       <a:pPr algn="ctr"/>
-                      <a:endParaRPr lang="en-US"/>
-                    </a:p>
-                  </a:txBody>
-                  <a:tcPr>
-                    <a:lnL w="12700" cap="flat" cmpd="sng" algn="ctr">
-                      <a:solidFill>
-                        <a:schemeClr val="tx1"/>
-                      </a:solidFill>
-                      <a:prstDash val="solid"/>
-                      <a:round/>
-                      <a:headEnd type="none" w="med" len="med"/>
-                      <a:tailEnd type="none" w="med" len="med"/>
-                    </a:lnL>
-                    <a:lnR w="12700" cap="flat" cmpd="sng" algn="ctr">
-                      <a:solidFill>
-                        <a:schemeClr val="tx1"/>
-                      </a:solidFill>
-                      <a:prstDash val="solid"/>
-                      <a:round/>
-                      <a:headEnd type="none" w="med" len="med"/>
-                      <a:tailEnd type="none" w="med" len="med"/>
-                    </a:lnR>
-                    <a:lnB w="12700" cap="flat" cmpd="sng" algn="ctr">
-                      <a:solidFill>
-                        <a:schemeClr val="tx1"/>
-                      </a:solidFill>
-                      <a:prstDash val="solid"/>
-                      <a:round/>
-                      <a:headEnd type="none" w="med" len="med"/>
-                      <a:tailEnd type="none" w="med" len="med"/>
-                    </a:lnB>
-                  </a:tcPr>
-                </a:tc>
-                <a:tc>
-                  <a:txBody>
-                    <a:bodyPr/>
-                    <a:lstStyle/>
-                    <a:p>
-                      <a:pPr algn="ctr"/>
                       <a:r>
                         <a:rPr lang="en-US" dirty="0"/>
-                        <a:t>C+B</a:t>
+                        <a:t>C∩B</a:t>
                       </a:r>
                     </a:p>
                   </a:txBody>
@@ -4815,7 +4655,7 @@
                       <a:pPr algn="ctr"/>
                       <a:r>
                         <a:rPr lang="en-US" dirty="0"/>
-                        <a:t>C+B &lt;H</a:t>
+                        <a:t>A∩C &lt; G</a:t>
                       </a:r>
                     </a:p>
                   </a:txBody>
@@ -4859,6 +4699,112 @@
           </a:graphicData>
         </a:graphic>
       </p:graphicFrame>
+      <p:sp>
+        <p:nvSpPr>
+          <p:cNvPr id="2" name="ZoneTexte 1">
+            <a:extLst>
+              <a:ext uri="{FF2B5EF4-FFF2-40B4-BE49-F238E27FC236}">
+                <a16:creationId xmlns:a16="http://schemas.microsoft.com/office/drawing/2014/main" id="{D6306D37-6B57-AC46-B6E0-FAEB5E25FAF2}"/>
+              </a:ext>
+            </a:extLst>
+          </p:cNvPr>
+          <p:cNvSpPr txBox="1"/>
+          <p:nvPr/>
+        </p:nvSpPr>
+        <p:spPr>
+          <a:xfrm>
+            <a:off x="2866766" y="3698276"/>
+            <a:ext cx="2002471" cy="369332"/>
+          </a:xfrm>
+          <a:prstGeom prst="rect">
+            <a:avLst/>
+          </a:prstGeom>
+          <a:noFill/>
+        </p:spPr>
+        <p:txBody>
+          <a:bodyPr wrap="none" rtlCol="0">
+            <a:spAutoFit/>
+          </a:bodyPr>
+          <a:lstStyle/>
+          <a:p>
+            <a:r>
+              <a:rPr lang="en-US" b="1" dirty="0"/>
+              <a:t>Disciplines: A; B; C;</a:t>
+            </a:r>
+          </a:p>
+        </p:txBody>
+      </p:sp>
+      <p:sp>
+        <p:nvSpPr>
+          <p:cNvPr id="3" name="ZoneTexte 2">
+            <a:extLst>
+              <a:ext uri="{FF2B5EF4-FFF2-40B4-BE49-F238E27FC236}">
+                <a16:creationId xmlns:a16="http://schemas.microsoft.com/office/drawing/2014/main" id="{FBA608FF-E2F6-9A49-BA63-422E124F0DF7}"/>
+              </a:ext>
+            </a:extLst>
+          </p:cNvPr>
+          <p:cNvSpPr txBox="1"/>
+          <p:nvPr/>
+        </p:nvSpPr>
+        <p:spPr>
+          <a:xfrm>
+            <a:off x="3034183" y="589230"/>
+            <a:ext cx="1875835" cy="369332"/>
+          </a:xfrm>
+          <a:prstGeom prst="rect">
+            <a:avLst/>
+          </a:prstGeom>
+          <a:noFill/>
+        </p:spPr>
+        <p:txBody>
+          <a:bodyPr wrap="none" rtlCol="0">
+            <a:spAutoFit/>
+          </a:bodyPr>
+          <a:lstStyle/>
+          <a:p>
+            <a:r>
+              <a:rPr lang="en-US" dirty="0" err="1"/>
+              <a:t>Multidisciplinarity</a:t>
+            </a:r>
+            <a:endParaRPr lang="en-US" dirty="0"/>
+          </a:p>
+        </p:txBody>
+      </p:sp>
+      <p:sp>
+        <p:nvSpPr>
+          <p:cNvPr id="7" name="Rectangle 6">
+            <a:extLst>
+              <a:ext uri="{FF2B5EF4-FFF2-40B4-BE49-F238E27FC236}">
+                <a16:creationId xmlns:a16="http://schemas.microsoft.com/office/drawing/2014/main" id="{7E63A360-2D76-CE41-BEC2-9CB3E03E5E6C}"/>
+              </a:ext>
+            </a:extLst>
+          </p:cNvPr>
+          <p:cNvSpPr/>
+          <p:nvPr/>
+        </p:nvSpPr>
+        <p:spPr>
+          <a:xfrm>
+            <a:off x="5868353" y="533230"/>
+            <a:ext cx="1818383" cy="369332"/>
+          </a:xfrm>
+          <a:prstGeom prst="rect">
+            <a:avLst/>
+          </a:prstGeom>
+        </p:spPr>
+        <p:txBody>
+          <a:bodyPr wrap="none">
+            <a:spAutoFit/>
+          </a:bodyPr>
+          <a:lstStyle/>
+          <a:p>
+            <a:pPr algn="ctr"/>
+            <a:r>
+              <a:rPr lang="en-US" dirty="0"/>
+              <a:t>Interdisciplinarity</a:t>
+            </a:r>
+          </a:p>
+        </p:txBody>
+      </p:sp>
     </p:spTree>
     <p:extLst>
       <p:ext uri="{BB962C8B-B14F-4D97-AF65-F5344CB8AC3E}">

--- a/figures-ext/multidisc.pptx
+++ b/figures-ext/multidisc.pptx
@@ -3347,12 +3347,154 @@
           <a:chExt cx="0" cy="0"/>
         </a:xfrm>
       </p:grpSpPr>
+      <p:sp>
+        <p:nvSpPr>
+          <p:cNvPr id="2" name="ZoneTexte 1">
+            <a:extLst>
+              <a:ext uri="{FF2B5EF4-FFF2-40B4-BE49-F238E27FC236}">
+                <a16:creationId xmlns:a16="http://schemas.microsoft.com/office/drawing/2014/main" id="{D6306D37-6B57-AC46-B6E0-FAEB5E25FAF2}"/>
+              </a:ext>
+            </a:extLst>
+          </p:cNvPr>
+          <p:cNvSpPr txBox="1"/>
+          <p:nvPr/>
+        </p:nvSpPr>
+        <p:spPr>
+          <a:xfrm>
+            <a:off x="2939374" y="3363704"/>
+            <a:ext cx="2002471" cy="369332"/>
+          </a:xfrm>
+          <a:prstGeom prst="rect">
+            <a:avLst/>
+          </a:prstGeom>
+          <a:noFill/>
+        </p:spPr>
+        <p:txBody>
+          <a:bodyPr wrap="none" rtlCol="0">
+            <a:spAutoFit/>
+          </a:bodyPr>
+          <a:lstStyle/>
+          <a:p>
+            <a:r>
+              <a:rPr lang="en-US" b="1" dirty="0"/>
+              <a:t>Disciplines: </a:t>
+            </a:r>
+            <a:r>
+              <a:rPr lang="en-US" b="1" dirty="0">
+                <a:solidFill>
+                  <a:srgbClr val="FF0000"/>
+                </a:solidFill>
+              </a:rPr>
+              <a:t>A</a:t>
+            </a:r>
+            <a:r>
+              <a:rPr lang="en-US" b="1" dirty="0"/>
+              <a:t>; </a:t>
+            </a:r>
+            <a:r>
+              <a:rPr lang="en-US" b="1" dirty="0">
+                <a:solidFill>
+                  <a:schemeClr val="accent1"/>
+                </a:solidFill>
+              </a:rPr>
+              <a:t>B</a:t>
+            </a:r>
+            <a:r>
+              <a:rPr lang="en-US" b="1" dirty="0"/>
+              <a:t>; </a:t>
+            </a:r>
+            <a:r>
+              <a:rPr lang="en-US" b="1" dirty="0">
+                <a:solidFill>
+                  <a:schemeClr val="accent6"/>
+                </a:solidFill>
+              </a:rPr>
+              <a:t>C</a:t>
+            </a:r>
+            <a:r>
+              <a:rPr lang="en-US" b="1" dirty="0"/>
+              <a:t>;</a:t>
+            </a:r>
+          </a:p>
+        </p:txBody>
+      </p:sp>
+      <p:sp>
+        <p:nvSpPr>
+          <p:cNvPr id="3" name="ZoneTexte 2">
+            <a:extLst>
+              <a:ext uri="{FF2B5EF4-FFF2-40B4-BE49-F238E27FC236}">
+                <a16:creationId xmlns:a16="http://schemas.microsoft.com/office/drawing/2014/main" id="{FBA608FF-E2F6-9A49-BA63-422E124F0DF7}"/>
+              </a:ext>
+            </a:extLst>
+          </p:cNvPr>
+          <p:cNvSpPr txBox="1"/>
+          <p:nvPr/>
+        </p:nvSpPr>
+        <p:spPr>
+          <a:xfrm>
+            <a:off x="3014946" y="662063"/>
+            <a:ext cx="1925527" cy="369332"/>
+          </a:xfrm>
+          <a:prstGeom prst="rect">
+            <a:avLst/>
+          </a:prstGeom>
+          <a:noFill/>
+        </p:spPr>
+        <p:txBody>
+          <a:bodyPr wrap="none" rtlCol="0">
+            <a:spAutoFit/>
+          </a:bodyPr>
+          <a:lstStyle/>
+          <a:p>
+            <a:r>
+              <a:rPr lang="en-US" b="1" dirty="0" err="1"/>
+              <a:t>Multidisciplinarity</a:t>
+            </a:r>
+            <a:endParaRPr lang="en-US" b="1" dirty="0"/>
+          </a:p>
+        </p:txBody>
+      </p:sp>
+      <p:sp>
+        <p:nvSpPr>
+          <p:cNvPr id="7" name="Rectangle 6">
+            <a:extLst>
+              <a:ext uri="{FF2B5EF4-FFF2-40B4-BE49-F238E27FC236}">
+                <a16:creationId xmlns:a16="http://schemas.microsoft.com/office/drawing/2014/main" id="{7E63A360-2D76-CE41-BEC2-9CB3E03E5E6C}"/>
+              </a:ext>
+            </a:extLst>
+          </p:cNvPr>
+          <p:cNvSpPr/>
+          <p:nvPr/>
+        </p:nvSpPr>
+        <p:spPr>
+          <a:xfrm>
+            <a:off x="5837094" y="664686"/>
+            <a:ext cx="1861663" cy="369332"/>
+          </a:xfrm>
+          <a:prstGeom prst="rect">
+            <a:avLst/>
+          </a:prstGeom>
+        </p:spPr>
+        <p:txBody>
+          <a:bodyPr wrap="none">
+            <a:spAutoFit/>
+          </a:bodyPr>
+          <a:lstStyle/>
+          <a:p>
+            <a:pPr algn="ctr"/>
+            <a:r>
+              <a:rPr lang="en-US" b="1" dirty="0"/>
+              <a:t>Interdisciplinarity</a:t>
+            </a:r>
+          </a:p>
+        </p:txBody>
+      </p:sp>
       <p:grpSp>
         <p:nvGrpSpPr>
-          <p:cNvPr id="28" name="Groupe 27">
-            <a:extLst>
-              <a:ext uri="{FF2B5EF4-FFF2-40B4-BE49-F238E27FC236}">
-                <a16:creationId xmlns:a16="http://schemas.microsoft.com/office/drawing/2014/main" id="{F6A3E724-E7DF-6043-BC46-7408D51929BB}"/>
+          <p:cNvPr id="40" name="Groupe 39">
+            <a:extLst>
+              <a:ext uri="{FF2B5EF4-FFF2-40B4-BE49-F238E27FC236}">
+                <a16:creationId xmlns:a16="http://schemas.microsoft.com/office/drawing/2014/main" id="{12189AAA-A249-8C4C-BF2A-3AE9F7037B41}"/>
               </a:ext>
             </a:extLst>
           </p:cNvPr>
@@ -3361,191 +3503,18 @@
         </p:nvGrpSpPr>
         <p:grpSpPr>
           <a:xfrm>
-            <a:off x="5468290" y="1242924"/>
-            <a:ext cx="2618509" cy="2330975"/>
-            <a:chOff x="4539099" y="1245724"/>
-            <a:chExt cx="2618509" cy="2330975"/>
+            <a:off x="3467795" y="1162911"/>
+            <a:ext cx="1019831" cy="1493505"/>
+            <a:chOff x="3034182" y="1186781"/>
+            <a:chExt cx="1019831" cy="1493505"/>
           </a:xfrm>
         </p:grpSpPr>
         <p:sp>
           <p:nvSpPr>
-            <p:cNvPr id="13" name="Ellipse 12">
+            <p:cNvPr id="8" name="ZoneTexte 7">
               <a:extLst>
                 <a:ext uri="{FF2B5EF4-FFF2-40B4-BE49-F238E27FC236}">
-                  <a16:creationId xmlns:a16="http://schemas.microsoft.com/office/drawing/2014/main" id="{8FF52038-6B19-0F45-8EDE-010E59532BF2}"/>
-                </a:ext>
-              </a:extLst>
-            </p:cNvPr>
-            <p:cNvSpPr/>
-            <p:nvPr/>
-          </p:nvSpPr>
-          <p:spPr>
-            <a:xfrm>
-              <a:off x="4539099" y="1245724"/>
-              <a:ext cx="1528948" cy="1528948"/>
-            </a:xfrm>
-            <a:prstGeom prst="ellipse">
-              <a:avLst/>
-            </a:prstGeom>
-            <a:solidFill>
-              <a:schemeClr val="accent1">
-                <a:lumMod val="75000"/>
-                <a:alpha val="42000"/>
-              </a:schemeClr>
-            </a:solidFill>
-            <a:ln w="38100">
-              <a:solidFill>
-                <a:schemeClr val="accent1">
-                  <a:lumMod val="75000"/>
-                </a:schemeClr>
-              </a:solidFill>
-            </a:ln>
-          </p:spPr>
-          <p:style>
-            <a:lnRef idx="2">
-              <a:schemeClr val="accent1">
-                <a:shade val="50000"/>
-              </a:schemeClr>
-            </a:lnRef>
-            <a:fillRef idx="1">
-              <a:schemeClr val="accent1"/>
-            </a:fillRef>
-            <a:effectRef idx="0">
-              <a:schemeClr val="accent1"/>
-            </a:effectRef>
-            <a:fontRef idx="minor">
-              <a:schemeClr val="lt1"/>
-            </a:fontRef>
-          </p:style>
-          <p:txBody>
-            <a:bodyPr rtlCol="0" anchor="ctr"/>
-            <a:lstStyle/>
-            <a:p>
-              <a:pPr algn="ctr"/>
-              <a:endParaRPr lang="en-US"/>
-            </a:p>
-          </p:txBody>
-        </p:sp>
-        <p:sp>
-          <p:nvSpPr>
-            <p:cNvPr id="14" name="Ellipse 13">
-              <a:extLst>
-                <a:ext uri="{FF2B5EF4-FFF2-40B4-BE49-F238E27FC236}">
-                  <a16:creationId xmlns:a16="http://schemas.microsoft.com/office/drawing/2014/main" id="{26DD632B-FAE8-5E4E-9DA8-7C7060F0A447}"/>
-                </a:ext>
-              </a:extLst>
-            </p:cNvPr>
-            <p:cNvSpPr/>
-            <p:nvPr/>
-          </p:nvSpPr>
-          <p:spPr>
-            <a:xfrm>
-              <a:off x="5628660" y="1245724"/>
-              <a:ext cx="1528948" cy="1528948"/>
-            </a:xfrm>
-            <a:prstGeom prst="ellipse">
-              <a:avLst/>
-            </a:prstGeom>
-            <a:solidFill>
-              <a:srgbClr val="00B050">
-                <a:alpha val="46000"/>
-              </a:srgbClr>
-            </a:solidFill>
-            <a:ln w="38100">
-              <a:solidFill>
-                <a:srgbClr val="00B050"/>
-              </a:solidFill>
-            </a:ln>
-          </p:spPr>
-          <p:style>
-            <a:lnRef idx="2">
-              <a:schemeClr val="accent1">
-                <a:shade val="50000"/>
-              </a:schemeClr>
-            </a:lnRef>
-            <a:fillRef idx="1">
-              <a:schemeClr val="accent1"/>
-            </a:fillRef>
-            <a:effectRef idx="0">
-              <a:schemeClr val="accent1"/>
-            </a:effectRef>
-            <a:fontRef idx="minor">
-              <a:schemeClr val="lt1"/>
-            </a:fontRef>
-          </p:style>
-          <p:txBody>
-            <a:bodyPr rtlCol="0" anchor="ctr"/>
-            <a:lstStyle/>
-            <a:p>
-              <a:pPr algn="ctr"/>
-              <a:endParaRPr lang="en-US"/>
-            </a:p>
-          </p:txBody>
-        </p:sp>
-        <p:sp>
-          <p:nvSpPr>
-            <p:cNvPr id="15" name="Ellipse 14">
-              <a:extLst>
-                <a:ext uri="{FF2B5EF4-FFF2-40B4-BE49-F238E27FC236}">
-                  <a16:creationId xmlns:a16="http://schemas.microsoft.com/office/drawing/2014/main" id="{7148F73D-183E-A74C-B9FB-2372391DDF15}"/>
-                </a:ext>
-              </a:extLst>
-            </p:cNvPr>
-            <p:cNvSpPr/>
-            <p:nvPr/>
-          </p:nvSpPr>
-          <p:spPr>
-            <a:xfrm>
-              <a:off x="5083880" y="2010198"/>
-              <a:ext cx="1528948" cy="1528948"/>
-            </a:xfrm>
-            <a:prstGeom prst="ellipse">
-              <a:avLst/>
-            </a:prstGeom>
-            <a:solidFill>
-              <a:schemeClr val="accent2">
-                <a:lumMod val="20000"/>
-                <a:lumOff val="80000"/>
-                <a:alpha val="54000"/>
-              </a:schemeClr>
-            </a:solidFill>
-            <a:ln w="38100">
-              <a:solidFill>
-                <a:srgbClr val="FF0000"/>
-              </a:solidFill>
-            </a:ln>
-          </p:spPr>
-          <p:style>
-            <a:lnRef idx="2">
-              <a:schemeClr val="accent1">
-                <a:shade val="50000"/>
-              </a:schemeClr>
-            </a:lnRef>
-            <a:fillRef idx="1">
-              <a:schemeClr val="accent1"/>
-            </a:fillRef>
-            <a:effectRef idx="0">
-              <a:schemeClr val="accent1"/>
-            </a:effectRef>
-            <a:fontRef idx="minor">
-              <a:schemeClr val="lt1"/>
-            </a:fontRef>
-          </p:style>
-          <p:txBody>
-            <a:bodyPr rtlCol="0" anchor="ctr"/>
-            <a:lstStyle/>
-            <a:p>
-              <a:pPr algn="ctr"/>
-              <a:endParaRPr lang="en-US"/>
-            </a:p>
-          </p:txBody>
-        </p:sp>
-        <p:sp>
-          <p:nvSpPr>
-            <p:cNvPr id="16" name="ZoneTexte 15">
-              <a:extLst>
-                <a:ext uri="{FF2B5EF4-FFF2-40B4-BE49-F238E27FC236}">
-                  <a16:creationId xmlns:a16="http://schemas.microsoft.com/office/drawing/2014/main" id="{20B8B79E-00E3-FD43-8F73-97AD1DFB047E}"/>
+                  <a16:creationId xmlns:a16="http://schemas.microsoft.com/office/drawing/2014/main" id="{FF9CB5A0-945E-DF4A-8CA3-22E61051AD6D}"/>
                 </a:ext>
               </a:extLst>
             </p:cNvPr>
@@ -3554,8 +3523,8 @@
           </p:nvSpPr>
           <p:spPr>
             <a:xfrm>
-              <a:off x="4835881" y="1547348"/>
-              <a:ext cx="362600" cy="461665"/>
+              <a:off x="3034182" y="1186781"/>
+              <a:ext cx="1019831" cy="369332"/>
             </a:xfrm>
             <a:prstGeom prst="rect">
               <a:avLst/>
@@ -3569,18 +3538,46 @@
             <a:lstStyle/>
             <a:p>
               <a:r>
-                <a:rPr lang="en-US" sz="2400" dirty="0"/>
+                <a:rPr lang="en-US" b="1" dirty="0">
+                  <a:solidFill>
+                    <a:srgbClr val="FF0000"/>
+                  </a:solidFill>
+                </a:rPr>
                 <a:t>A</a:t>
+              </a:r>
+              <a:r>
+                <a:rPr lang="en-US" dirty="0"/>
+                <a:t> + </a:t>
+              </a:r>
+              <a:r>
+                <a:rPr lang="en-US" b="1" dirty="0">
+                  <a:solidFill>
+                    <a:schemeClr val="accent1"/>
+                  </a:solidFill>
+                </a:rPr>
+                <a:t>B</a:t>
+              </a:r>
+              <a:r>
+                <a:rPr lang="en-US" dirty="0"/>
+                <a:t> + </a:t>
+              </a:r>
+              <a:r>
+                <a:rPr lang="en-US" b="1" dirty="0">
+                  <a:solidFill>
+                    <a:schemeClr val="accent6"/>
+                  </a:solidFill>
+                </a:rPr>
+                <a:t>C</a:t>
               </a:r>
             </a:p>
           </p:txBody>
         </p:sp>
         <p:sp>
           <p:nvSpPr>
-            <p:cNvPr id="17" name="ZoneTexte 16">
+            <p:cNvPr id="31" name="ZoneTexte 30">
               <a:extLst>
                 <a:ext uri="{FF2B5EF4-FFF2-40B4-BE49-F238E27FC236}">
-                  <a16:creationId xmlns:a16="http://schemas.microsoft.com/office/drawing/2014/main" id="{F92FFBDF-F3D2-D34A-91C2-3AE289B0C82D}"/>
+                  <a16:creationId xmlns:a16="http://schemas.microsoft.com/office/drawing/2014/main" id="{FE507161-D6BD-4E47-BB6A-B08340CAF46D}"/>
                 </a:ext>
               </a:extLst>
             </p:cNvPr>
@@ -3589,8 +3586,8 @@
           </p:nvSpPr>
           <p:spPr>
             <a:xfrm>
-              <a:off x="6543110" y="1547348"/>
-              <a:ext cx="351378" cy="461665"/>
+              <a:off x="3034182" y="1556113"/>
+              <a:ext cx="675185" cy="369332"/>
             </a:xfrm>
             <a:prstGeom prst="rect">
               <a:avLst/>
@@ -3604,18 +3601,35 @@
             <a:lstStyle/>
             <a:p>
               <a:r>
-                <a:rPr lang="en-US" sz="2400" dirty="0"/>
-                <a:t>B</a:t>
+                <a:rPr lang="en-US" b="1" dirty="0">
+                  <a:solidFill>
+                    <a:srgbClr val="FF0000"/>
+                  </a:solidFill>
+                </a:rPr>
+                <a:t>A</a:t>
               </a:r>
+              <a:r>
+                <a:rPr lang="en-US" dirty="0"/>
+                <a:t> +</a:t>
+              </a:r>
+              <a:r>
+                <a:rPr lang="en-US" b="1" dirty="0">
+                  <a:solidFill>
+                    <a:schemeClr val="accent1"/>
+                  </a:solidFill>
+                </a:rPr>
+                <a:t> B</a:t>
+              </a:r>
+              <a:endParaRPr lang="en-US" dirty="0"/>
             </a:p>
           </p:txBody>
         </p:sp>
         <p:sp>
           <p:nvSpPr>
-            <p:cNvPr id="18" name="ZoneTexte 17">
+            <p:cNvPr id="34" name="ZoneTexte 33">
               <a:extLst>
                 <a:ext uri="{FF2B5EF4-FFF2-40B4-BE49-F238E27FC236}">
-                  <a16:creationId xmlns:a16="http://schemas.microsoft.com/office/drawing/2014/main" id="{70ACED8F-77A9-8948-BAD5-8ADFECBC2051}"/>
+                  <a16:creationId xmlns:a16="http://schemas.microsoft.com/office/drawing/2014/main" id="{07C951B1-9301-C549-BFD0-AF8F9D368624}"/>
                 </a:ext>
               </a:extLst>
             </p:cNvPr>
@@ -3624,46 +3638,8 @@
           </p:nvSpPr>
           <p:spPr>
             <a:xfrm>
-              <a:off x="5658349" y="3115034"/>
-              <a:ext cx="348172" cy="461665"/>
-            </a:xfrm>
-            <a:prstGeom prst="rect">
-              <a:avLst/>
-            </a:prstGeom>
-            <a:noFill/>
-            <a:ln>
-              <a:noFill/>
-            </a:ln>
-          </p:spPr>
-          <p:txBody>
-            <a:bodyPr wrap="none" rtlCol="0">
-              <a:spAutoFit/>
-            </a:bodyPr>
-            <a:lstStyle/>
-            <a:p>
-              <a:r>
-                <a:rPr lang="en-US" sz="2400" dirty="0"/>
-                <a:t>C</a:t>
-              </a:r>
-            </a:p>
-          </p:txBody>
-        </p:sp>
-        <p:sp>
-          <p:nvSpPr>
-            <p:cNvPr id="19" name="ZoneTexte 18">
-              <a:extLst>
-                <a:ext uri="{FF2B5EF4-FFF2-40B4-BE49-F238E27FC236}">
-                  <a16:creationId xmlns:a16="http://schemas.microsoft.com/office/drawing/2014/main" id="{F992C433-6E69-FE4B-8B45-CDD3EE849F21}"/>
-                </a:ext>
-              </a:extLst>
-            </p:cNvPr>
-            <p:cNvSpPr txBox="1"/>
-            <p:nvPr/>
-          </p:nvSpPr>
-          <p:spPr>
-            <a:xfrm>
-              <a:off x="5692212" y="1584901"/>
-              <a:ext cx="335348" cy="461665"/>
+              <a:off x="3034182" y="1941622"/>
+              <a:ext cx="663964" cy="369332"/>
             </a:xfrm>
             <a:prstGeom prst="rect">
               <a:avLst/>
@@ -3677,18 +3653,35 @@
             <a:lstStyle/>
             <a:p>
               <a:r>
-                <a:rPr lang="en-US" sz="2400" dirty="0"/>
-                <a:t>E</a:t>
+                <a:rPr lang="en-US" b="1" dirty="0">
+                  <a:solidFill>
+                    <a:schemeClr val="accent1"/>
+                  </a:solidFill>
+                </a:rPr>
+                <a:t>B</a:t>
               </a:r>
+              <a:r>
+                <a:rPr lang="en-US" dirty="0"/>
+                <a:t> + </a:t>
+              </a:r>
+              <a:r>
+                <a:rPr lang="en-US" b="1" dirty="0">
+                  <a:solidFill>
+                    <a:schemeClr val="accent6"/>
+                  </a:solidFill>
+                </a:rPr>
+                <a:t>C</a:t>
+              </a:r>
+              <a:endParaRPr lang="en-US" dirty="0"/>
             </a:p>
           </p:txBody>
         </p:sp>
         <p:sp>
           <p:nvSpPr>
-            <p:cNvPr id="20" name="ZoneTexte 19">
+            <p:cNvPr id="37" name="ZoneTexte 36">
               <a:extLst>
                 <a:ext uri="{FF2B5EF4-FFF2-40B4-BE49-F238E27FC236}">
-                  <a16:creationId xmlns:a16="http://schemas.microsoft.com/office/drawing/2014/main" id="{0B45D18E-765D-164A-A77B-3F637354D9ED}"/>
+                  <a16:creationId xmlns:a16="http://schemas.microsoft.com/office/drawing/2014/main" id="{A25F4505-CC0D-4D45-B273-EDAFCB43414A}"/>
                 </a:ext>
               </a:extLst>
             </p:cNvPr>
@@ -3697,8 +3690,8 @@
           </p:nvSpPr>
           <p:spPr>
             <a:xfrm>
-              <a:off x="5705855" y="2040300"/>
-              <a:ext cx="377026" cy="461665"/>
+              <a:off x="3034182" y="2310954"/>
+              <a:ext cx="662361" cy="369332"/>
             </a:xfrm>
             <a:prstGeom prst="rect">
               <a:avLst/>
@@ -3712,18 +3705,56 @@
             <a:lstStyle/>
             <a:p>
               <a:r>
-                <a:rPr lang="en-US" sz="2400" dirty="0"/>
-                <a:t>H</a:t>
+                <a:rPr lang="en-US" b="1" dirty="0">
+                  <a:solidFill>
+                    <a:schemeClr val="accent6"/>
+                  </a:solidFill>
+                </a:rPr>
+                <a:t>C</a:t>
               </a:r>
+              <a:r>
+                <a:rPr lang="en-US" dirty="0"/>
+                <a:t> + </a:t>
+              </a:r>
+              <a:r>
+                <a:rPr lang="en-US" b="1" dirty="0">
+                  <a:solidFill>
+                    <a:srgbClr val="FF0000"/>
+                  </a:solidFill>
+                </a:rPr>
+                <a:t>A</a:t>
+              </a:r>
+              <a:endParaRPr lang="en-US" dirty="0"/>
             </a:p>
           </p:txBody>
         </p:sp>
+      </p:grpSp>
+      <p:grpSp>
+        <p:nvGrpSpPr>
+          <p:cNvPr id="42" name="Groupe 41">
+            <a:extLst>
+              <a:ext uri="{FF2B5EF4-FFF2-40B4-BE49-F238E27FC236}">
+                <a16:creationId xmlns:a16="http://schemas.microsoft.com/office/drawing/2014/main" id="{4E568D9A-4478-5D40-B6C2-38F2B1497D7A}"/>
+              </a:ext>
+            </a:extLst>
+          </p:cNvPr>
+          <p:cNvGrpSpPr/>
+          <p:nvPr/>
+        </p:nvGrpSpPr>
+        <p:grpSpPr>
+          <a:xfrm>
+            <a:off x="5247062" y="1211383"/>
+            <a:ext cx="300082" cy="1493505"/>
+            <a:chOff x="5168208" y="1186781"/>
+            <a:chExt cx="300082" cy="1493505"/>
+          </a:xfrm>
+        </p:grpSpPr>
         <p:sp>
           <p:nvSpPr>
-            <p:cNvPr id="21" name="ZoneTexte 20">
+            <p:cNvPr id="9" name="ZoneTexte 8">
               <a:extLst>
                 <a:ext uri="{FF2B5EF4-FFF2-40B4-BE49-F238E27FC236}">
-                  <a16:creationId xmlns:a16="http://schemas.microsoft.com/office/drawing/2014/main" id="{27E53D4A-7A06-FE45-8C60-ED44A4E63801}"/>
+                  <a16:creationId xmlns:a16="http://schemas.microsoft.com/office/drawing/2014/main" id="{129F950A-15AC-C24C-8091-A13BC6067B00}"/>
                 </a:ext>
               </a:extLst>
             </p:cNvPr>
@@ -3732,485 +3763,8 @@
           </p:nvSpPr>
           <p:spPr>
             <a:xfrm>
-              <a:off x="5198481" y="2310637"/>
-              <a:ext cx="378630" cy="461665"/>
-            </a:xfrm>
-            <a:prstGeom prst="rect">
-              <a:avLst/>
-            </a:prstGeom>
-            <a:noFill/>
-          </p:spPr>
-          <p:txBody>
-            <a:bodyPr wrap="none" rtlCol="0">
-              <a:spAutoFit/>
-            </a:bodyPr>
-            <a:lstStyle/>
-            <a:p>
-              <a:r>
-                <a:rPr lang="en-US" sz="2400" dirty="0"/>
-                <a:t>G</a:t>
-              </a:r>
-            </a:p>
-          </p:txBody>
-        </p:sp>
-        <p:sp>
-          <p:nvSpPr>
-            <p:cNvPr id="22" name="ZoneTexte 21">
-              <a:extLst>
-                <a:ext uri="{FF2B5EF4-FFF2-40B4-BE49-F238E27FC236}">
-                  <a16:creationId xmlns:a16="http://schemas.microsoft.com/office/drawing/2014/main" id="{F0B694FA-2DF5-E84E-B4D7-6E94EB7C370B}"/>
-                </a:ext>
-              </a:extLst>
-            </p:cNvPr>
-            <p:cNvSpPr txBox="1"/>
-            <p:nvPr/>
-          </p:nvSpPr>
-          <p:spPr>
-            <a:xfrm>
-              <a:off x="6081690" y="2258270"/>
-              <a:ext cx="325730" cy="461665"/>
-            </a:xfrm>
-            <a:prstGeom prst="rect">
-              <a:avLst/>
-            </a:prstGeom>
-            <a:noFill/>
-          </p:spPr>
-          <p:txBody>
-            <a:bodyPr wrap="none" rtlCol="0">
-              <a:spAutoFit/>
-            </a:bodyPr>
-            <a:lstStyle/>
-            <a:p>
-              <a:r>
-                <a:rPr lang="en-US" sz="2400" dirty="0"/>
-                <a:t>F</a:t>
-              </a:r>
-            </a:p>
-          </p:txBody>
-        </p:sp>
-      </p:grpSp>
-      <p:grpSp>
-        <p:nvGrpSpPr>
-          <p:cNvPr id="29" name="Groupe 28">
-            <a:extLst>
-              <a:ext uri="{FF2B5EF4-FFF2-40B4-BE49-F238E27FC236}">
-                <a16:creationId xmlns:a16="http://schemas.microsoft.com/office/drawing/2014/main" id="{FCD2BB40-C895-3D48-B5F7-067FD5A631C6}"/>
-              </a:ext>
-            </a:extLst>
-          </p:cNvPr>
-          <p:cNvGrpSpPr/>
-          <p:nvPr/>
-        </p:nvGrpSpPr>
-        <p:grpSpPr>
-          <a:xfrm>
-            <a:off x="2730318" y="1237931"/>
-            <a:ext cx="2618509" cy="2330975"/>
-            <a:chOff x="1160814" y="1246909"/>
-            <a:chExt cx="2618509" cy="2330975"/>
-          </a:xfrm>
-        </p:grpSpPr>
-        <p:sp>
-          <p:nvSpPr>
-            <p:cNvPr id="4" name="Ellipse 3">
-              <a:extLst>
-                <a:ext uri="{FF2B5EF4-FFF2-40B4-BE49-F238E27FC236}">
-                  <a16:creationId xmlns:a16="http://schemas.microsoft.com/office/drawing/2014/main" id="{0152C643-6D62-9245-95A1-F3B3C19D0FCA}"/>
-                </a:ext>
-              </a:extLst>
-            </p:cNvPr>
-            <p:cNvSpPr/>
-            <p:nvPr/>
-          </p:nvSpPr>
-          <p:spPr>
-            <a:xfrm>
-              <a:off x="1160814" y="1246909"/>
-              <a:ext cx="1528948" cy="1528948"/>
-            </a:xfrm>
-            <a:prstGeom prst="ellipse">
-              <a:avLst/>
-            </a:prstGeom>
-            <a:solidFill>
-              <a:schemeClr val="accent1">
-                <a:lumMod val="75000"/>
-                <a:alpha val="42000"/>
-              </a:schemeClr>
-            </a:solidFill>
-            <a:ln w="38100">
-              <a:solidFill>
-                <a:schemeClr val="accent1">
-                  <a:lumMod val="75000"/>
-                </a:schemeClr>
-              </a:solidFill>
-            </a:ln>
-          </p:spPr>
-          <p:style>
-            <a:lnRef idx="2">
-              <a:schemeClr val="accent1">
-                <a:shade val="50000"/>
-              </a:schemeClr>
-            </a:lnRef>
-            <a:fillRef idx="1">
-              <a:schemeClr val="accent1"/>
-            </a:fillRef>
-            <a:effectRef idx="0">
-              <a:schemeClr val="accent1"/>
-            </a:effectRef>
-            <a:fontRef idx="minor">
-              <a:schemeClr val="lt1"/>
-            </a:fontRef>
-          </p:style>
-          <p:txBody>
-            <a:bodyPr rtlCol="0" anchor="ctr"/>
-            <a:lstStyle/>
-            <a:p>
-              <a:pPr algn="ctr"/>
-              <a:endParaRPr lang="en-US"/>
-            </a:p>
-          </p:txBody>
-        </p:sp>
-        <p:sp>
-          <p:nvSpPr>
-            <p:cNvPr id="5" name="Ellipse 4">
-              <a:extLst>
-                <a:ext uri="{FF2B5EF4-FFF2-40B4-BE49-F238E27FC236}">
-                  <a16:creationId xmlns:a16="http://schemas.microsoft.com/office/drawing/2014/main" id="{D64096FC-8708-2945-8F41-01937A0802AF}"/>
-                </a:ext>
-              </a:extLst>
-            </p:cNvPr>
-            <p:cNvSpPr/>
-            <p:nvPr/>
-          </p:nvSpPr>
-          <p:spPr>
-            <a:xfrm>
-              <a:off x="2250375" y="1246909"/>
-              <a:ext cx="1528948" cy="1528948"/>
-            </a:xfrm>
-            <a:prstGeom prst="ellipse">
-              <a:avLst/>
-            </a:prstGeom>
-            <a:solidFill>
-              <a:srgbClr val="00B050">
-                <a:alpha val="46000"/>
-              </a:srgbClr>
-            </a:solidFill>
-            <a:ln w="38100">
-              <a:solidFill>
-                <a:srgbClr val="00B050"/>
-              </a:solidFill>
-            </a:ln>
-          </p:spPr>
-          <p:style>
-            <a:lnRef idx="2">
-              <a:schemeClr val="accent1">
-                <a:shade val="50000"/>
-              </a:schemeClr>
-            </a:lnRef>
-            <a:fillRef idx="1">
-              <a:schemeClr val="accent1"/>
-            </a:fillRef>
-            <a:effectRef idx="0">
-              <a:schemeClr val="accent1"/>
-            </a:effectRef>
-            <a:fontRef idx="minor">
-              <a:schemeClr val="lt1"/>
-            </a:fontRef>
-          </p:style>
-          <p:txBody>
-            <a:bodyPr rtlCol="0" anchor="ctr"/>
-            <a:lstStyle/>
-            <a:p>
-              <a:pPr algn="ctr"/>
-              <a:endParaRPr lang="en-US"/>
-            </a:p>
-          </p:txBody>
-        </p:sp>
-        <p:sp>
-          <p:nvSpPr>
-            <p:cNvPr id="6" name="Ellipse 5">
-              <a:extLst>
-                <a:ext uri="{FF2B5EF4-FFF2-40B4-BE49-F238E27FC236}">
-                  <a16:creationId xmlns:a16="http://schemas.microsoft.com/office/drawing/2014/main" id="{FF4B5D3E-EF46-0B4C-8422-FBE28202ADE4}"/>
-                </a:ext>
-              </a:extLst>
-            </p:cNvPr>
-            <p:cNvSpPr/>
-            <p:nvPr/>
-          </p:nvSpPr>
-          <p:spPr>
-            <a:xfrm>
-              <a:off x="1705595" y="2011383"/>
-              <a:ext cx="1528948" cy="1528948"/>
-            </a:xfrm>
-            <a:prstGeom prst="ellipse">
-              <a:avLst/>
-            </a:prstGeom>
-            <a:solidFill>
-              <a:schemeClr val="accent2">
-                <a:lumMod val="20000"/>
-                <a:lumOff val="80000"/>
-                <a:alpha val="54000"/>
-              </a:schemeClr>
-            </a:solidFill>
-            <a:ln w="38100">
-              <a:solidFill>
-                <a:srgbClr val="FF0000"/>
-              </a:solidFill>
-            </a:ln>
-          </p:spPr>
-          <p:style>
-            <a:lnRef idx="2">
-              <a:schemeClr val="accent1">
-                <a:shade val="50000"/>
-              </a:schemeClr>
-            </a:lnRef>
-            <a:fillRef idx="1">
-              <a:schemeClr val="accent1"/>
-            </a:fillRef>
-            <a:effectRef idx="0">
-              <a:schemeClr val="accent1"/>
-            </a:effectRef>
-            <a:fontRef idx="minor">
-              <a:schemeClr val="lt1"/>
-            </a:fontRef>
-          </p:style>
-          <p:txBody>
-            <a:bodyPr rtlCol="0" anchor="ctr"/>
-            <a:lstStyle/>
-            <a:p>
-              <a:pPr algn="ctr"/>
-              <a:endParaRPr lang="en-US"/>
-            </a:p>
-          </p:txBody>
-        </p:sp>
-        <p:sp>
-          <p:nvSpPr>
-            <p:cNvPr id="10" name="ZoneTexte 9">
-              <a:extLst>
-                <a:ext uri="{FF2B5EF4-FFF2-40B4-BE49-F238E27FC236}">
-                  <a16:creationId xmlns:a16="http://schemas.microsoft.com/office/drawing/2014/main" id="{6FC47949-EEA6-DC4C-A72C-C93FAC9CFD52}"/>
-                </a:ext>
-              </a:extLst>
-            </p:cNvPr>
-            <p:cNvSpPr txBox="1"/>
-            <p:nvPr/>
-          </p:nvSpPr>
-          <p:spPr>
-            <a:xfrm>
-              <a:off x="1457596" y="1548533"/>
-              <a:ext cx="362600" cy="461665"/>
-            </a:xfrm>
-            <a:prstGeom prst="rect">
-              <a:avLst/>
-            </a:prstGeom>
-            <a:noFill/>
-          </p:spPr>
-          <p:txBody>
-            <a:bodyPr wrap="none" rtlCol="0">
-              <a:spAutoFit/>
-            </a:bodyPr>
-            <a:lstStyle/>
-            <a:p>
-              <a:r>
-                <a:rPr lang="en-US" sz="2400" dirty="0"/>
-                <a:t>A</a:t>
-              </a:r>
-            </a:p>
-          </p:txBody>
-        </p:sp>
-        <p:sp>
-          <p:nvSpPr>
-            <p:cNvPr id="11" name="ZoneTexte 10">
-              <a:extLst>
-                <a:ext uri="{FF2B5EF4-FFF2-40B4-BE49-F238E27FC236}">
-                  <a16:creationId xmlns:a16="http://schemas.microsoft.com/office/drawing/2014/main" id="{0EFAC308-00EA-2840-9B94-77A80F2B2CE7}"/>
-                </a:ext>
-              </a:extLst>
-            </p:cNvPr>
-            <p:cNvSpPr txBox="1"/>
-            <p:nvPr/>
-          </p:nvSpPr>
-          <p:spPr>
-            <a:xfrm>
-              <a:off x="3164825" y="1548533"/>
-              <a:ext cx="351378" cy="461665"/>
-            </a:xfrm>
-            <a:prstGeom prst="rect">
-              <a:avLst/>
-            </a:prstGeom>
-            <a:noFill/>
-          </p:spPr>
-          <p:txBody>
-            <a:bodyPr wrap="none" rtlCol="0">
-              <a:spAutoFit/>
-            </a:bodyPr>
-            <a:lstStyle/>
-            <a:p>
-              <a:r>
-                <a:rPr lang="en-US" sz="2400" dirty="0"/>
-                <a:t>B</a:t>
-              </a:r>
-            </a:p>
-          </p:txBody>
-        </p:sp>
-        <p:sp>
-          <p:nvSpPr>
-            <p:cNvPr id="12" name="ZoneTexte 11">
-              <a:extLst>
-                <a:ext uri="{FF2B5EF4-FFF2-40B4-BE49-F238E27FC236}">
-                  <a16:creationId xmlns:a16="http://schemas.microsoft.com/office/drawing/2014/main" id="{B6613A17-ADFB-CB4D-B5E2-235B7D6D7F85}"/>
-                </a:ext>
-              </a:extLst>
-            </p:cNvPr>
-            <p:cNvSpPr txBox="1"/>
-            <p:nvPr/>
-          </p:nvSpPr>
-          <p:spPr>
-            <a:xfrm>
-              <a:off x="2280064" y="3116219"/>
-              <a:ext cx="348172" cy="461665"/>
-            </a:xfrm>
-            <a:prstGeom prst="rect">
-              <a:avLst/>
-            </a:prstGeom>
-            <a:noFill/>
-            <a:ln>
-              <a:noFill/>
-            </a:ln>
-          </p:spPr>
-          <p:txBody>
-            <a:bodyPr wrap="none" rtlCol="0">
-              <a:spAutoFit/>
-            </a:bodyPr>
-            <a:lstStyle/>
-            <a:p>
-              <a:r>
-                <a:rPr lang="en-US" sz="2400" dirty="0"/>
-                <a:t>C</a:t>
-              </a:r>
-            </a:p>
-          </p:txBody>
-        </p:sp>
-        <p:sp>
-          <p:nvSpPr>
-            <p:cNvPr id="23" name="ZoneTexte 22">
-              <a:extLst>
-                <a:ext uri="{FF2B5EF4-FFF2-40B4-BE49-F238E27FC236}">
-                  <a16:creationId xmlns:a16="http://schemas.microsoft.com/office/drawing/2014/main" id="{1A0F289B-850B-F84E-BE6C-A7E00A04FE7C}"/>
-                </a:ext>
-              </a:extLst>
-            </p:cNvPr>
-            <p:cNvSpPr txBox="1"/>
-            <p:nvPr/>
-          </p:nvSpPr>
-          <p:spPr>
-            <a:xfrm rot="19995186">
-              <a:off x="1664031" y="2274268"/>
-              <a:ext cx="742511" cy="461665"/>
-            </a:xfrm>
-            <a:prstGeom prst="rect">
-              <a:avLst/>
-            </a:prstGeom>
-            <a:noFill/>
-          </p:spPr>
-          <p:txBody>
-            <a:bodyPr wrap="none" rtlCol="0">
-              <a:spAutoFit/>
-            </a:bodyPr>
-            <a:lstStyle/>
-            <a:p>
-              <a:r>
-                <a:rPr lang="en-US" sz="2400" dirty="0"/>
-                <a:t>A∩C</a:t>
-              </a:r>
-            </a:p>
-          </p:txBody>
-        </p:sp>
-        <p:sp>
-          <p:nvSpPr>
-            <p:cNvPr id="24" name="ZoneTexte 23">
-              <a:extLst>
-                <a:ext uri="{FF2B5EF4-FFF2-40B4-BE49-F238E27FC236}">
-                  <a16:creationId xmlns:a16="http://schemas.microsoft.com/office/drawing/2014/main" id="{556BE896-9538-DA40-A86D-57F7B5A2B62B}"/>
-                </a:ext>
-              </a:extLst>
-            </p:cNvPr>
-            <p:cNvSpPr txBox="1"/>
-            <p:nvPr/>
-          </p:nvSpPr>
-          <p:spPr>
-            <a:xfrm>
-              <a:off x="2114824" y="2011383"/>
-              <a:ext cx="736099" cy="307777"/>
-            </a:xfrm>
-            <a:prstGeom prst="rect">
-              <a:avLst/>
-            </a:prstGeom>
-            <a:noFill/>
-          </p:spPr>
-          <p:txBody>
-            <a:bodyPr wrap="none" rtlCol="0">
-              <a:spAutoFit/>
-            </a:bodyPr>
-            <a:lstStyle/>
-            <a:p>
-              <a:r>
-                <a:rPr lang="en-US" sz="1400" dirty="0"/>
-                <a:t>A∩B∩C</a:t>
-              </a:r>
-            </a:p>
-          </p:txBody>
-        </p:sp>
-        <p:sp>
-          <p:nvSpPr>
-            <p:cNvPr id="25" name="ZoneTexte 24">
-              <a:extLst>
-                <a:ext uri="{FF2B5EF4-FFF2-40B4-BE49-F238E27FC236}">
-                  <a16:creationId xmlns:a16="http://schemas.microsoft.com/office/drawing/2014/main" id="{1C928D65-6E35-4C49-B804-8438CED0F7D9}"/>
-                </a:ext>
-              </a:extLst>
-            </p:cNvPr>
-            <p:cNvSpPr txBox="1"/>
-            <p:nvPr/>
-          </p:nvSpPr>
-          <p:spPr>
-            <a:xfrm rot="2168312">
-              <a:off x="2505906" y="2255714"/>
-              <a:ext cx="731290" cy="461665"/>
-            </a:xfrm>
-            <a:prstGeom prst="rect">
-              <a:avLst/>
-            </a:prstGeom>
-            <a:noFill/>
-          </p:spPr>
-          <p:txBody>
-            <a:bodyPr wrap="none" rtlCol="0">
-              <a:spAutoFit/>
-            </a:bodyPr>
-            <a:lstStyle/>
-            <a:p>
-              <a:r>
-                <a:rPr lang="en-US" sz="2400" dirty="0"/>
-                <a:t>B∩C</a:t>
-              </a:r>
-            </a:p>
-          </p:txBody>
-        </p:sp>
-        <p:sp>
-          <p:nvSpPr>
-            <p:cNvPr id="26" name="ZoneTexte 25">
-              <a:extLst>
-                <a:ext uri="{FF2B5EF4-FFF2-40B4-BE49-F238E27FC236}">
-                  <a16:creationId xmlns:a16="http://schemas.microsoft.com/office/drawing/2014/main" id="{2D259C08-ADFF-7246-8448-066254069934}"/>
-                </a:ext>
-              </a:extLst>
-            </p:cNvPr>
-            <p:cNvSpPr txBox="1"/>
-            <p:nvPr/>
-          </p:nvSpPr>
-          <p:spPr>
-            <a:xfrm rot="5400000">
-              <a:off x="2191068" y="1579047"/>
-              <a:ext cx="604653" cy="369332"/>
+              <a:off x="5168208" y="1186781"/>
+              <a:ext cx="300082" cy="369332"/>
             </a:xfrm>
             <a:prstGeom prst="rect">
               <a:avLst/>
@@ -4225,486 +3779,364 @@
             <a:p>
               <a:r>
                 <a:rPr lang="en-US" dirty="0"/>
-                <a:t>A∩B</a:t>
+                <a:t>&lt;</a:t>
+              </a:r>
+            </a:p>
+          </p:txBody>
+        </p:sp>
+        <p:sp>
+          <p:nvSpPr>
+            <p:cNvPr id="32" name="ZoneTexte 31">
+              <a:extLst>
+                <a:ext uri="{FF2B5EF4-FFF2-40B4-BE49-F238E27FC236}">
+                  <a16:creationId xmlns:a16="http://schemas.microsoft.com/office/drawing/2014/main" id="{04B9DC11-69B1-3345-B48A-E5259CF31140}"/>
+                </a:ext>
+              </a:extLst>
+            </p:cNvPr>
+            <p:cNvSpPr txBox="1"/>
+            <p:nvPr/>
+          </p:nvSpPr>
+          <p:spPr>
+            <a:xfrm>
+              <a:off x="5168208" y="1556113"/>
+              <a:ext cx="300082" cy="369332"/>
+            </a:xfrm>
+            <a:prstGeom prst="rect">
+              <a:avLst/>
+            </a:prstGeom>
+            <a:noFill/>
+          </p:spPr>
+          <p:txBody>
+            <a:bodyPr wrap="none" rtlCol="0">
+              <a:spAutoFit/>
+            </a:bodyPr>
+            <a:lstStyle/>
+            <a:p>
+              <a:r>
+                <a:rPr lang="en-US" dirty="0"/>
+                <a:t>&lt;</a:t>
+              </a:r>
+            </a:p>
+          </p:txBody>
+        </p:sp>
+        <p:sp>
+          <p:nvSpPr>
+            <p:cNvPr id="36" name="ZoneTexte 35">
+              <a:extLst>
+                <a:ext uri="{FF2B5EF4-FFF2-40B4-BE49-F238E27FC236}">
+                  <a16:creationId xmlns:a16="http://schemas.microsoft.com/office/drawing/2014/main" id="{BCA82732-8D4A-3F4C-AA66-998CF4243582}"/>
+                </a:ext>
+              </a:extLst>
+            </p:cNvPr>
+            <p:cNvSpPr txBox="1"/>
+            <p:nvPr/>
+          </p:nvSpPr>
+          <p:spPr>
+            <a:xfrm>
+              <a:off x="5168208" y="1925445"/>
+              <a:ext cx="300082" cy="369332"/>
+            </a:xfrm>
+            <a:prstGeom prst="rect">
+              <a:avLst/>
+            </a:prstGeom>
+            <a:noFill/>
+          </p:spPr>
+          <p:txBody>
+            <a:bodyPr wrap="none" rtlCol="0">
+              <a:spAutoFit/>
+            </a:bodyPr>
+            <a:lstStyle/>
+            <a:p>
+              <a:r>
+                <a:rPr lang="en-US" dirty="0"/>
+                <a:t>&lt;</a:t>
+              </a:r>
+            </a:p>
+          </p:txBody>
+        </p:sp>
+        <p:sp>
+          <p:nvSpPr>
+            <p:cNvPr id="38" name="ZoneTexte 37">
+              <a:extLst>
+                <a:ext uri="{FF2B5EF4-FFF2-40B4-BE49-F238E27FC236}">
+                  <a16:creationId xmlns:a16="http://schemas.microsoft.com/office/drawing/2014/main" id="{07FF5C62-9AB6-A242-B811-C1C58E1B7471}"/>
+                </a:ext>
+              </a:extLst>
+            </p:cNvPr>
+            <p:cNvSpPr txBox="1"/>
+            <p:nvPr/>
+          </p:nvSpPr>
+          <p:spPr>
+            <a:xfrm>
+              <a:off x="5168208" y="2310954"/>
+              <a:ext cx="300082" cy="369332"/>
+            </a:xfrm>
+            <a:prstGeom prst="rect">
+              <a:avLst/>
+            </a:prstGeom>
+            <a:noFill/>
+          </p:spPr>
+          <p:txBody>
+            <a:bodyPr wrap="none" rtlCol="0">
+              <a:spAutoFit/>
+            </a:bodyPr>
+            <a:lstStyle/>
+            <a:p>
+              <a:r>
+                <a:rPr lang="en-US" dirty="0"/>
+                <a:t>&lt;</a:t>
               </a:r>
             </a:p>
           </p:txBody>
         </p:sp>
       </p:grpSp>
-      <p:graphicFrame>
-        <p:nvGraphicFramePr>
-          <p:cNvPr id="27" name="Tableau 26">
-            <a:extLst>
-              <a:ext uri="{FF2B5EF4-FFF2-40B4-BE49-F238E27FC236}">
-                <a16:creationId xmlns:a16="http://schemas.microsoft.com/office/drawing/2014/main" id="{CD1245D0-C03B-CA43-9E00-4847F7015705}"/>
-              </a:ext>
-            </a:extLst>
-          </p:cNvPr>
-          <p:cNvGraphicFramePr>
-            <a:graphicFrameLocks noGrp="1"/>
-          </p:cNvGraphicFramePr>
-          <p:nvPr>
-            <p:extLst>
-              <p:ext uri="{D42A27DB-BD31-4B8C-83A1-F6EECF244321}">
-                <p14:modId xmlns:p14="http://schemas.microsoft.com/office/powerpoint/2010/main" val="3035037919"/>
-              </p:ext>
-            </p:extLst>
-          </p:nvPr>
-        </p:nvGraphicFramePr>
-        <p:xfrm>
-          <a:off x="2758957" y="4295827"/>
-          <a:ext cx="5418666" cy="1902354"/>
-        </p:xfrm>
-        <a:graphic>
-          <a:graphicData uri="http://schemas.openxmlformats.org/drawingml/2006/table">
-            <a:tbl>
-              <a:tblPr firstRow="1" bandRow="1">
-                <a:tableStyleId>{7E9639D4-E3E2-4D34-9284-5A2195B3D0D7}</a:tableStyleId>
-              </a:tblPr>
-              <a:tblGrid>
-                <a:gridCol w="2709333">
-                  <a:extLst>
-                    <a:ext uri="{9D8B030D-6E8A-4147-A177-3AD203B41FA5}">
-                      <a16:colId xmlns:a16="http://schemas.microsoft.com/office/drawing/2014/main" val="3703308388"/>
-                    </a:ext>
-                  </a:extLst>
-                </a:gridCol>
-                <a:gridCol w="2709333">
-                  <a:extLst>
-                    <a:ext uri="{9D8B030D-6E8A-4147-A177-3AD203B41FA5}">
-                      <a16:colId xmlns:a16="http://schemas.microsoft.com/office/drawing/2014/main" val="2869030536"/>
-                    </a:ext>
-                  </a:extLst>
-                </a:gridCol>
-              </a:tblGrid>
-              <a:tr h="418994">
-                <a:tc>
-                  <a:txBody>
-                    <a:bodyPr/>
-                    <a:lstStyle/>
-                    <a:p>
-                      <a:pPr marL="0" marR="0" lvl="0" indent="0" algn="ctr" defTabSz="914400" rtl="0" eaLnBrk="1" fontAlgn="auto" latinLnBrk="0" hangingPunct="1">
-                        <a:lnSpc>
-                          <a:spcPct val="100000"/>
-                        </a:lnSpc>
-                        <a:spcBef>
-                          <a:spcPts val="0"/>
-                        </a:spcBef>
-                        <a:spcAft>
-                          <a:spcPts val="0"/>
-                        </a:spcAft>
-                        <a:buClrTx/>
-                        <a:buSzTx/>
-                        <a:buFontTx/>
-                        <a:buNone/>
-                        <a:tabLst/>
-                        <a:defRPr/>
-                      </a:pPr>
-                      <a:r>
-                        <a:rPr lang="en-US" dirty="0" err="1"/>
-                        <a:t>Multidisciplinarity</a:t>
-                      </a:r>
-                      <a:endParaRPr lang="en-US" dirty="0"/>
-                    </a:p>
-                  </a:txBody>
-                  <a:tcPr>
-                    <a:lnL w="12700" cap="flat" cmpd="sng" algn="ctr">
-                      <a:solidFill>
-                        <a:schemeClr val="tx1"/>
-                      </a:solidFill>
-                      <a:prstDash val="solid"/>
-                      <a:round/>
-                      <a:headEnd type="none" w="med" len="med"/>
-                      <a:tailEnd type="none" w="med" len="med"/>
-                    </a:lnL>
-                    <a:lnR w="12700" cap="flat" cmpd="sng" algn="ctr">
-                      <a:solidFill>
-                        <a:schemeClr val="tx1"/>
-                      </a:solidFill>
-                      <a:prstDash val="solid"/>
-                      <a:round/>
-                      <a:headEnd type="none" w="med" len="med"/>
-                      <a:tailEnd type="none" w="med" len="med"/>
-                    </a:lnR>
-                    <a:lnT w="12700" cap="flat" cmpd="sng" algn="ctr">
-                      <a:solidFill>
-                        <a:schemeClr val="tx1"/>
-                      </a:solidFill>
-                      <a:prstDash val="solid"/>
-                      <a:round/>
-                      <a:headEnd type="none" w="med" len="med"/>
-                      <a:tailEnd type="none" w="med" len="med"/>
-                    </a:lnT>
-                  </a:tcPr>
-                </a:tc>
-                <a:tc>
-                  <a:txBody>
-                    <a:bodyPr/>
-                    <a:lstStyle/>
-                    <a:p>
-                      <a:pPr algn="ctr"/>
-                      <a:r>
-                        <a:rPr lang="en-US" dirty="0"/>
-                        <a:t>Interdisciplinarity</a:t>
-                      </a:r>
-                    </a:p>
-                  </a:txBody>
-                  <a:tcPr>
-                    <a:lnL w="12700" cap="flat" cmpd="sng" algn="ctr">
-                      <a:solidFill>
-                        <a:schemeClr val="tx1"/>
-                      </a:solidFill>
-                      <a:prstDash val="solid"/>
-                      <a:round/>
-                      <a:headEnd type="none" w="med" len="med"/>
-                      <a:tailEnd type="none" w="med" len="med"/>
-                    </a:lnL>
-                    <a:lnR w="12700" cap="flat" cmpd="sng" algn="ctr">
-                      <a:solidFill>
-                        <a:schemeClr val="tx1"/>
-                      </a:solidFill>
-                      <a:prstDash val="solid"/>
-                      <a:round/>
-                      <a:headEnd type="none" w="med" len="med"/>
-                      <a:tailEnd type="none" w="med" len="med"/>
-                    </a:lnR>
-                    <a:lnT w="12700" cap="flat" cmpd="sng" algn="ctr">
-                      <a:solidFill>
-                        <a:schemeClr val="tx1"/>
-                      </a:solidFill>
-                      <a:prstDash val="solid"/>
-                      <a:round/>
-                      <a:headEnd type="none" w="med" len="med"/>
-                      <a:tailEnd type="none" w="med" len="med"/>
-                    </a:lnT>
-                  </a:tcPr>
-                </a:tc>
-                <a:extLst>
-                  <a:ext uri="{0D108BD9-81ED-4DB2-BD59-A6C34878D82A}">
-                    <a16:rowId xmlns:a16="http://schemas.microsoft.com/office/drawing/2014/main" val="4109548139"/>
-                  </a:ext>
-                </a:extLst>
-              </a:tr>
-              <a:tr h="370840">
-                <a:tc>
-                  <a:txBody>
-                    <a:bodyPr/>
-                    <a:lstStyle/>
-                    <a:p>
-                      <a:pPr algn="ctr"/>
-                      <a:r>
-                        <a:rPr lang="en-US" dirty="0"/>
-                        <a:t>A∩B∩C</a:t>
-                      </a:r>
-                    </a:p>
-                  </a:txBody>
-                  <a:tcPr>
-                    <a:lnL w="12700" cap="flat" cmpd="sng" algn="ctr">
-                      <a:solidFill>
-                        <a:schemeClr val="tx1"/>
-                      </a:solidFill>
-                      <a:prstDash val="solid"/>
-                      <a:round/>
-                      <a:headEnd type="none" w="med" len="med"/>
-                      <a:tailEnd type="none" w="med" len="med"/>
-                    </a:lnL>
-                    <a:lnR w="12700" cap="flat" cmpd="sng" algn="ctr">
-                      <a:solidFill>
-                        <a:schemeClr val="tx1"/>
-                      </a:solidFill>
-                      <a:prstDash val="solid"/>
-                      <a:round/>
-                      <a:headEnd type="none" w="med" len="med"/>
-                      <a:tailEnd type="none" w="med" len="med"/>
-                    </a:lnR>
-                  </a:tcPr>
-                </a:tc>
-                <a:tc>
-                  <a:txBody>
-                    <a:bodyPr/>
-                    <a:lstStyle/>
-                    <a:p>
-                      <a:pPr algn="ctr"/>
-                      <a:r>
-                        <a:rPr lang="en-US" dirty="0"/>
-                        <a:t>A∩B∩C &lt; H</a:t>
-                      </a:r>
-                    </a:p>
-                  </a:txBody>
-                  <a:tcPr>
-                    <a:lnL w="12700" cap="flat" cmpd="sng" algn="ctr">
-                      <a:solidFill>
-                        <a:schemeClr val="tx1"/>
-                      </a:solidFill>
-                      <a:prstDash val="solid"/>
-                      <a:round/>
-                      <a:headEnd type="none" w="med" len="med"/>
-                      <a:tailEnd type="none" w="med" len="med"/>
-                    </a:lnL>
-                    <a:lnR w="12700" cap="flat" cmpd="sng" algn="ctr">
-                      <a:solidFill>
-                        <a:schemeClr val="tx1"/>
-                      </a:solidFill>
-                      <a:prstDash val="solid"/>
-                      <a:round/>
-                      <a:headEnd type="none" w="med" len="med"/>
-                      <a:tailEnd type="none" w="med" len="med"/>
-                    </a:lnR>
-                  </a:tcPr>
-                </a:tc>
-                <a:extLst>
-                  <a:ext uri="{0D108BD9-81ED-4DB2-BD59-A6C34878D82A}">
-                    <a16:rowId xmlns:a16="http://schemas.microsoft.com/office/drawing/2014/main" val="2983129470"/>
-                  </a:ext>
-                </a:extLst>
-              </a:tr>
-              <a:tr h="370840">
-                <a:tc>
-                  <a:txBody>
-                    <a:bodyPr/>
-                    <a:lstStyle/>
-                    <a:p>
-                      <a:pPr algn="ctr"/>
-                      <a:r>
-                        <a:rPr lang="en-US" dirty="0"/>
-                        <a:t>A∩B</a:t>
-                      </a:r>
-                    </a:p>
-                  </a:txBody>
-                  <a:tcPr>
-                    <a:lnL w="12700" cap="flat" cmpd="sng" algn="ctr">
-                      <a:solidFill>
-                        <a:schemeClr val="tx1"/>
-                      </a:solidFill>
-                      <a:prstDash val="solid"/>
-                      <a:round/>
-                      <a:headEnd type="none" w="med" len="med"/>
-                      <a:tailEnd type="none" w="med" len="med"/>
-                    </a:lnL>
-                    <a:lnR w="12700" cap="flat" cmpd="sng" algn="ctr">
-                      <a:solidFill>
-                        <a:schemeClr val="tx1"/>
-                      </a:solidFill>
-                      <a:prstDash val="solid"/>
-                      <a:round/>
-                      <a:headEnd type="none" w="med" len="med"/>
-                      <a:tailEnd type="none" w="med" len="med"/>
-                    </a:lnR>
-                  </a:tcPr>
-                </a:tc>
-                <a:tc>
-                  <a:txBody>
-                    <a:bodyPr/>
-                    <a:lstStyle/>
-                    <a:p>
-                      <a:pPr algn="ctr"/>
-                      <a:r>
-                        <a:rPr lang="en-US" dirty="0"/>
-                        <a:t>A∩B &lt; E</a:t>
-                      </a:r>
-                    </a:p>
-                  </a:txBody>
-                  <a:tcPr>
-                    <a:lnL w="12700" cap="flat" cmpd="sng" algn="ctr">
-                      <a:solidFill>
-                        <a:schemeClr val="tx1"/>
-                      </a:solidFill>
-                      <a:prstDash val="solid"/>
-                      <a:round/>
-                      <a:headEnd type="none" w="med" len="med"/>
-                      <a:tailEnd type="none" w="med" len="med"/>
-                    </a:lnL>
-                    <a:lnR w="12700" cap="flat" cmpd="sng" algn="ctr">
-                      <a:solidFill>
-                        <a:schemeClr val="tx1"/>
-                      </a:solidFill>
-                      <a:prstDash val="solid"/>
-                      <a:round/>
-                      <a:headEnd type="none" w="med" len="med"/>
-                      <a:tailEnd type="none" w="med" len="med"/>
-                    </a:lnR>
-                  </a:tcPr>
-                </a:tc>
-                <a:extLst>
-                  <a:ext uri="{0D108BD9-81ED-4DB2-BD59-A6C34878D82A}">
-                    <a16:rowId xmlns:a16="http://schemas.microsoft.com/office/drawing/2014/main" val="2095903465"/>
-                  </a:ext>
-                </a:extLst>
-              </a:tr>
-              <a:tr h="370840">
-                <a:tc>
-                  <a:txBody>
-                    <a:bodyPr/>
-                    <a:lstStyle/>
-                    <a:p>
-                      <a:pPr algn="ctr"/>
-                      <a:r>
-                        <a:rPr lang="en-US" dirty="0"/>
-                        <a:t>B∩C</a:t>
-                      </a:r>
-                    </a:p>
-                  </a:txBody>
-                  <a:tcPr>
-                    <a:lnL w="12700" cap="flat" cmpd="sng" algn="ctr">
-                      <a:solidFill>
-                        <a:schemeClr val="tx1"/>
-                      </a:solidFill>
-                      <a:prstDash val="solid"/>
-                      <a:round/>
-                      <a:headEnd type="none" w="med" len="med"/>
-                      <a:tailEnd type="none" w="med" len="med"/>
-                    </a:lnL>
-                    <a:lnR w="12700" cap="flat" cmpd="sng" algn="ctr">
-                      <a:solidFill>
-                        <a:schemeClr val="tx1"/>
-                      </a:solidFill>
-                      <a:prstDash val="solid"/>
-                      <a:round/>
-                      <a:headEnd type="none" w="med" len="med"/>
-                      <a:tailEnd type="none" w="med" len="med"/>
-                    </a:lnR>
-                  </a:tcPr>
-                </a:tc>
-                <a:tc>
-                  <a:txBody>
-                    <a:bodyPr/>
-                    <a:lstStyle/>
-                    <a:p>
-                      <a:pPr algn="ctr"/>
-                      <a:r>
-                        <a:rPr lang="en-US" dirty="0"/>
-                        <a:t>B∩C &lt; F</a:t>
-                      </a:r>
-                    </a:p>
-                  </a:txBody>
-                  <a:tcPr>
-                    <a:lnL w="12700" cap="flat" cmpd="sng" algn="ctr">
-                      <a:solidFill>
-                        <a:schemeClr val="tx1"/>
-                      </a:solidFill>
-                      <a:prstDash val="solid"/>
-                      <a:round/>
-                      <a:headEnd type="none" w="med" len="med"/>
-                      <a:tailEnd type="none" w="med" len="med"/>
-                    </a:lnL>
-                    <a:lnR w="12700" cap="flat" cmpd="sng" algn="ctr">
-                      <a:solidFill>
-                        <a:schemeClr val="tx1"/>
-                      </a:solidFill>
-                      <a:prstDash val="solid"/>
-                      <a:round/>
-                      <a:headEnd type="none" w="med" len="med"/>
-                      <a:tailEnd type="none" w="med" len="med"/>
-                    </a:lnR>
-                  </a:tcPr>
-                </a:tc>
-                <a:extLst>
-                  <a:ext uri="{0D108BD9-81ED-4DB2-BD59-A6C34878D82A}">
-                    <a16:rowId xmlns:a16="http://schemas.microsoft.com/office/drawing/2014/main" val="352749749"/>
-                  </a:ext>
-                </a:extLst>
-              </a:tr>
-              <a:tr h="370840">
-                <a:tc>
-                  <a:txBody>
-                    <a:bodyPr/>
-                    <a:lstStyle/>
-                    <a:p>
-                      <a:pPr algn="ctr"/>
-                      <a:r>
-                        <a:rPr lang="en-US" dirty="0"/>
-                        <a:t>C∩B</a:t>
-                      </a:r>
-                    </a:p>
-                  </a:txBody>
-                  <a:tcPr>
-                    <a:lnL w="12700" cap="flat" cmpd="sng" algn="ctr">
-                      <a:solidFill>
-                        <a:schemeClr val="tx1"/>
-                      </a:solidFill>
-                      <a:prstDash val="solid"/>
-                      <a:round/>
-                      <a:headEnd type="none" w="med" len="med"/>
-                      <a:tailEnd type="none" w="med" len="med"/>
-                    </a:lnL>
-                    <a:lnR w="12700" cap="flat" cmpd="sng" algn="ctr">
-                      <a:solidFill>
-                        <a:schemeClr val="tx1"/>
-                      </a:solidFill>
-                      <a:prstDash val="solid"/>
-                      <a:round/>
-                      <a:headEnd type="none" w="med" len="med"/>
-                      <a:tailEnd type="none" w="med" len="med"/>
-                    </a:lnR>
-                    <a:lnB w="12700" cap="flat" cmpd="sng" algn="ctr">
-                      <a:solidFill>
-                        <a:schemeClr val="tx1"/>
-                      </a:solidFill>
-                      <a:prstDash val="solid"/>
-                      <a:round/>
-                      <a:headEnd type="none" w="med" len="med"/>
-                      <a:tailEnd type="none" w="med" len="med"/>
-                    </a:lnB>
-                  </a:tcPr>
-                </a:tc>
-                <a:tc>
-                  <a:txBody>
-                    <a:bodyPr/>
-                    <a:lstStyle/>
-                    <a:p>
-                      <a:pPr algn="ctr"/>
-                      <a:r>
-                        <a:rPr lang="en-US" dirty="0"/>
-                        <a:t>A∩C &lt; G</a:t>
-                      </a:r>
-                    </a:p>
-                  </a:txBody>
-                  <a:tcPr>
-                    <a:lnL w="12700" cap="flat" cmpd="sng" algn="ctr">
-                      <a:solidFill>
-                        <a:schemeClr val="tx1"/>
-                      </a:solidFill>
-                      <a:prstDash val="solid"/>
-                      <a:round/>
-                      <a:headEnd type="none" w="med" len="med"/>
-                      <a:tailEnd type="none" w="med" len="med"/>
-                    </a:lnL>
-                    <a:lnR w="12700" cap="flat" cmpd="sng" algn="ctr">
-                      <a:solidFill>
-                        <a:schemeClr val="tx1"/>
-                      </a:solidFill>
-                      <a:prstDash val="solid"/>
-                      <a:round/>
-                      <a:headEnd type="none" w="med" len="med"/>
-                      <a:tailEnd type="none" w="med" len="med"/>
-                    </a:lnR>
-                    <a:lnB w="12700" cap="flat" cmpd="sng" algn="ctr">
-                      <a:solidFill>
-                        <a:schemeClr val="tx1"/>
-                      </a:solidFill>
-                      <a:prstDash val="solid"/>
-                      <a:round/>
-                      <a:headEnd type="none" w="med" len="med"/>
-                      <a:tailEnd type="none" w="med" len="med"/>
-                    </a:lnB>
-                  </a:tcPr>
-                </a:tc>
-                <a:extLst>
-                  <a:ext uri="{0D108BD9-81ED-4DB2-BD59-A6C34878D82A}">
-                    <a16:rowId xmlns:a16="http://schemas.microsoft.com/office/drawing/2014/main" val="3700515770"/>
-                  </a:ext>
-                </a:extLst>
-              </a:tr>
-            </a:tbl>
-          </a:graphicData>
-        </a:graphic>
-      </p:graphicFrame>
-      <p:sp>
-        <p:nvSpPr>
-          <p:cNvPr id="2" name="ZoneTexte 1">
-            <a:extLst>
-              <a:ext uri="{FF2B5EF4-FFF2-40B4-BE49-F238E27FC236}">
-                <a16:creationId xmlns:a16="http://schemas.microsoft.com/office/drawing/2014/main" id="{D6306D37-6B57-AC46-B6E0-FAEB5E25FAF2}"/>
+      <p:grpSp>
+        <p:nvGrpSpPr>
+          <p:cNvPr id="41" name="Groupe 40">
+            <a:extLst>
+              <a:ext uri="{FF2B5EF4-FFF2-40B4-BE49-F238E27FC236}">
+                <a16:creationId xmlns:a16="http://schemas.microsoft.com/office/drawing/2014/main" id="{325B85E3-DDD5-264A-B8A1-7C66C87BA274}"/>
+              </a:ext>
+            </a:extLst>
+          </p:cNvPr>
+          <p:cNvGrpSpPr/>
+          <p:nvPr/>
+        </p:nvGrpSpPr>
+        <p:grpSpPr>
+          <a:xfrm>
+            <a:off x="6273239" y="1186781"/>
+            <a:ext cx="1019831" cy="1509682"/>
+            <a:chOff x="6127657" y="1186781"/>
+            <a:chExt cx="1019831" cy="1509682"/>
+          </a:xfrm>
+        </p:grpSpPr>
+        <p:sp>
+          <p:nvSpPr>
+            <p:cNvPr id="30" name="ZoneTexte 29">
+              <a:extLst>
+                <a:ext uri="{FF2B5EF4-FFF2-40B4-BE49-F238E27FC236}">
+                  <a16:creationId xmlns:a16="http://schemas.microsoft.com/office/drawing/2014/main" id="{EA7166DA-BE88-4C46-91EA-1AE8955D59BA}"/>
+                </a:ext>
+              </a:extLst>
+            </p:cNvPr>
+            <p:cNvSpPr txBox="1"/>
+            <p:nvPr/>
+          </p:nvSpPr>
+          <p:spPr>
+            <a:xfrm>
+              <a:off x="6127657" y="1186781"/>
+              <a:ext cx="1019831" cy="369332"/>
+            </a:xfrm>
+            <a:prstGeom prst="rect">
+              <a:avLst/>
+            </a:prstGeom>
+            <a:noFill/>
+          </p:spPr>
+          <p:txBody>
+            <a:bodyPr wrap="none" rtlCol="0">
+              <a:spAutoFit/>
+            </a:bodyPr>
+            <a:lstStyle/>
+            <a:p>
+              <a:r>
+                <a:rPr lang="en-US" b="1" dirty="0">
+                  <a:solidFill>
+                    <a:srgbClr val="FF0000"/>
+                  </a:solidFill>
+                </a:rPr>
+                <a:t>A</a:t>
+              </a:r>
+              <a:r>
+                <a:rPr lang="en-US" dirty="0"/>
+                <a:t> + </a:t>
+              </a:r>
+              <a:r>
+                <a:rPr lang="en-US" b="1" dirty="0">
+                  <a:solidFill>
+                    <a:schemeClr val="accent1"/>
+                  </a:solidFill>
+                </a:rPr>
+                <a:t>B</a:t>
+              </a:r>
+              <a:r>
+                <a:rPr lang="en-US" dirty="0"/>
+                <a:t> + </a:t>
+              </a:r>
+              <a:r>
+                <a:rPr lang="en-US" b="1" dirty="0">
+                  <a:solidFill>
+                    <a:schemeClr val="accent6"/>
+                  </a:solidFill>
+                </a:rPr>
+                <a:t>C</a:t>
+              </a:r>
+              <a:endParaRPr lang="en-US" dirty="0"/>
+            </a:p>
+          </p:txBody>
+        </p:sp>
+        <p:sp>
+          <p:nvSpPr>
+            <p:cNvPr id="33" name="ZoneTexte 32">
+              <a:extLst>
+                <a:ext uri="{FF2B5EF4-FFF2-40B4-BE49-F238E27FC236}">
+                  <a16:creationId xmlns:a16="http://schemas.microsoft.com/office/drawing/2014/main" id="{8E131BDE-F576-FD4A-8B70-BE085936393B}"/>
+                </a:ext>
+              </a:extLst>
+            </p:cNvPr>
+            <p:cNvSpPr txBox="1"/>
+            <p:nvPr/>
+          </p:nvSpPr>
+          <p:spPr>
+            <a:xfrm>
+              <a:off x="6127657" y="1556113"/>
+              <a:ext cx="675185" cy="369332"/>
+            </a:xfrm>
+            <a:prstGeom prst="rect">
+              <a:avLst/>
+            </a:prstGeom>
+            <a:noFill/>
+          </p:spPr>
+          <p:txBody>
+            <a:bodyPr wrap="none" rtlCol="0">
+              <a:spAutoFit/>
+            </a:bodyPr>
+            <a:lstStyle/>
+            <a:p>
+              <a:r>
+                <a:rPr lang="en-US" b="1" dirty="0">
+                  <a:solidFill>
+                    <a:srgbClr val="FF0000"/>
+                  </a:solidFill>
+                </a:rPr>
+                <a:t>A</a:t>
+              </a:r>
+              <a:r>
+                <a:rPr lang="en-US" dirty="0"/>
+                <a:t> + </a:t>
+              </a:r>
+              <a:r>
+                <a:rPr lang="en-US" b="1" dirty="0">
+                  <a:solidFill>
+                    <a:schemeClr val="accent1"/>
+                  </a:solidFill>
+                </a:rPr>
+                <a:t>B</a:t>
+              </a:r>
+              <a:endParaRPr lang="en-US" dirty="0"/>
+            </a:p>
+          </p:txBody>
+        </p:sp>
+        <p:sp>
+          <p:nvSpPr>
+            <p:cNvPr id="35" name="ZoneTexte 34">
+              <a:extLst>
+                <a:ext uri="{FF2B5EF4-FFF2-40B4-BE49-F238E27FC236}">
+                  <a16:creationId xmlns:a16="http://schemas.microsoft.com/office/drawing/2014/main" id="{17064AC9-7AEC-B34E-BE3A-C3A85F5B4CB5}"/>
+                </a:ext>
+              </a:extLst>
+            </p:cNvPr>
+            <p:cNvSpPr txBox="1"/>
+            <p:nvPr/>
+          </p:nvSpPr>
+          <p:spPr>
+            <a:xfrm>
+              <a:off x="6127657" y="1941622"/>
+              <a:ext cx="663964" cy="369332"/>
+            </a:xfrm>
+            <a:prstGeom prst="rect">
+              <a:avLst/>
+            </a:prstGeom>
+            <a:noFill/>
+          </p:spPr>
+          <p:txBody>
+            <a:bodyPr wrap="none" rtlCol="0">
+              <a:spAutoFit/>
+            </a:bodyPr>
+            <a:lstStyle/>
+            <a:p>
+              <a:r>
+                <a:rPr lang="en-US" b="1" dirty="0">
+                  <a:solidFill>
+                    <a:schemeClr val="accent1"/>
+                  </a:solidFill>
+                </a:rPr>
+                <a:t>B</a:t>
+              </a:r>
+              <a:r>
+                <a:rPr lang="en-US" dirty="0"/>
+                <a:t> + </a:t>
+              </a:r>
+              <a:r>
+                <a:rPr lang="en-US" b="1" dirty="0">
+                  <a:solidFill>
+                    <a:schemeClr val="accent6"/>
+                  </a:solidFill>
+                </a:rPr>
+                <a:t>C</a:t>
+              </a:r>
+              <a:endParaRPr lang="en-US" dirty="0"/>
+            </a:p>
+          </p:txBody>
+        </p:sp>
+        <p:sp>
+          <p:nvSpPr>
+            <p:cNvPr id="39" name="ZoneTexte 38">
+              <a:extLst>
+                <a:ext uri="{FF2B5EF4-FFF2-40B4-BE49-F238E27FC236}">
+                  <a16:creationId xmlns:a16="http://schemas.microsoft.com/office/drawing/2014/main" id="{94C0B3D0-D809-224A-B0B7-C4E3F2690371}"/>
+                </a:ext>
+              </a:extLst>
+            </p:cNvPr>
+            <p:cNvSpPr txBox="1"/>
+            <p:nvPr/>
+          </p:nvSpPr>
+          <p:spPr>
+            <a:xfrm>
+              <a:off x="6127657" y="2327131"/>
+              <a:ext cx="662361" cy="369332"/>
+            </a:xfrm>
+            <a:prstGeom prst="rect">
+              <a:avLst/>
+            </a:prstGeom>
+            <a:noFill/>
+          </p:spPr>
+          <p:txBody>
+            <a:bodyPr wrap="none" rtlCol="0">
+              <a:spAutoFit/>
+            </a:bodyPr>
+            <a:lstStyle/>
+            <a:p>
+              <a:r>
+                <a:rPr lang="en-US" b="1" dirty="0">
+                  <a:solidFill>
+                    <a:schemeClr val="accent6"/>
+                  </a:solidFill>
+                </a:rPr>
+                <a:t>C</a:t>
+              </a:r>
+              <a:r>
+                <a:rPr lang="en-US" dirty="0"/>
+                <a:t> + </a:t>
+              </a:r>
+              <a:r>
+                <a:rPr lang="en-US" b="1" dirty="0">
+                  <a:solidFill>
+                    <a:srgbClr val="FF0000"/>
+                  </a:solidFill>
+                </a:rPr>
+                <a:t>A</a:t>
+              </a:r>
+              <a:endParaRPr lang="en-US" dirty="0"/>
+            </a:p>
+          </p:txBody>
+        </p:sp>
+      </p:grpSp>
+      <p:sp>
+        <p:nvSpPr>
+          <p:cNvPr id="43" name="ZoneTexte 42">
+            <a:extLst>
+              <a:ext uri="{FF2B5EF4-FFF2-40B4-BE49-F238E27FC236}">
+                <a16:creationId xmlns:a16="http://schemas.microsoft.com/office/drawing/2014/main" id="{C80DA79C-91F1-7A4D-9F9F-CBEA8A28BDD6}"/>
               </a:ext>
             </a:extLst>
           </p:cNvPr>
@@ -4713,8 +4145,8 @@
         </p:nvSpPr>
         <p:spPr>
           <a:xfrm>
-            <a:off x="2866766" y="3698276"/>
-            <a:ext cx="2002471" cy="369332"/>
+            <a:off x="5241949" y="649297"/>
+            <a:ext cx="312906" cy="400110"/>
           </a:xfrm>
           <a:prstGeom prst="rect">
             <a:avLst/>
@@ -4728,18 +4160,18 @@
           <a:lstStyle/>
           <a:p>
             <a:r>
-              <a:rPr lang="en-US" b="1" dirty="0"/>
-              <a:t>Disciplines: A; B; C;</a:t>
-            </a:r>
-          </a:p>
-        </p:txBody>
-      </p:sp>
-      <p:sp>
-        <p:nvSpPr>
-          <p:cNvPr id="3" name="ZoneTexte 2">
-            <a:extLst>
-              <a:ext uri="{FF2B5EF4-FFF2-40B4-BE49-F238E27FC236}">
-                <a16:creationId xmlns:a16="http://schemas.microsoft.com/office/drawing/2014/main" id="{FBA608FF-E2F6-9A49-BA63-422E124F0DF7}"/>
+              <a:rPr lang="en-US" sz="2000" b="1" dirty="0"/>
+              <a:t>&lt;</a:t>
+            </a:r>
+          </a:p>
+        </p:txBody>
+      </p:sp>
+      <p:sp>
+        <p:nvSpPr>
+          <p:cNvPr id="44" name="ZoneTexte 43">
+            <a:extLst>
+              <a:ext uri="{FF2B5EF4-FFF2-40B4-BE49-F238E27FC236}">
+                <a16:creationId xmlns:a16="http://schemas.microsoft.com/office/drawing/2014/main" id="{51FB2609-0056-9348-8CB4-F3422990AE44}"/>
               </a:ext>
             </a:extLst>
           </p:cNvPr>
@@ -4748,8 +4180,8 @@
         </p:nvSpPr>
         <p:spPr>
           <a:xfrm>
-            <a:off x="3034183" y="589230"/>
-            <a:ext cx="1875835" cy="369332"/>
+            <a:off x="2939374" y="2825394"/>
+            <a:ext cx="2534668" cy="369332"/>
           </a:xfrm>
           <a:prstGeom prst="rect">
             <a:avLst/>
@@ -4763,45 +4195,96 @@
           <a:lstStyle/>
           <a:p>
             <a:r>
-              <a:rPr lang="en-US" dirty="0" err="1"/>
-              <a:t>Multidisciplinarity</a:t>
-            </a:r>
-            <a:endParaRPr lang="en-US" dirty="0"/>
-          </a:p>
-        </p:txBody>
-      </p:sp>
-      <p:sp>
-        <p:nvSpPr>
-          <p:cNvPr id="7" name="Rectangle 6">
-            <a:extLst>
-              <a:ext uri="{FF2B5EF4-FFF2-40B4-BE49-F238E27FC236}">
-                <a16:creationId xmlns:a16="http://schemas.microsoft.com/office/drawing/2014/main" id="{7E63A360-2D76-CE41-BEC2-9CB3E03E5E6C}"/>
-              </a:ext>
-            </a:extLst>
-          </p:cNvPr>
-          <p:cNvSpPr/>
+              <a:rPr lang="en-US" dirty="0"/>
+              <a:t>Simple sum of disciplines</a:t>
+            </a:r>
+          </a:p>
+        </p:txBody>
+      </p:sp>
+      <p:sp>
+        <p:nvSpPr>
+          <p:cNvPr id="45" name="ZoneTexte 44">
+            <a:extLst>
+              <a:ext uri="{FF2B5EF4-FFF2-40B4-BE49-F238E27FC236}">
+                <a16:creationId xmlns:a16="http://schemas.microsoft.com/office/drawing/2014/main" id="{166A00B8-EFF8-F643-9A33-357915ED82BE}"/>
+              </a:ext>
+            </a:extLst>
+          </p:cNvPr>
+          <p:cNvSpPr txBox="1"/>
           <p:nvPr/>
         </p:nvSpPr>
         <p:spPr>
           <a:xfrm>
-            <a:off x="5868353" y="533230"/>
-            <a:ext cx="1818383" cy="369332"/>
+            <a:off x="5856458" y="2825394"/>
+            <a:ext cx="1508746" cy="369332"/>
           </a:xfrm>
           <a:prstGeom prst="rect">
             <a:avLst/>
           </a:prstGeom>
+          <a:noFill/>
         </p:spPr>
         <p:txBody>
-          <a:bodyPr wrap="none">
+          <a:bodyPr wrap="none" rtlCol="0">
             <a:spAutoFit/>
           </a:bodyPr>
           <a:lstStyle/>
           <a:p>
+            <a:r>
+              <a:rPr lang="en-US" dirty="0"/>
+              <a:t>Synergy effect</a:t>
+            </a:r>
+          </a:p>
+        </p:txBody>
+      </p:sp>
+      <p:sp>
+        <p:nvSpPr>
+          <p:cNvPr id="47" name="Rectangle 46">
+            <a:extLst>
+              <a:ext uri="{FF2B5EF4-FFF2-40B4-BE49-F238E27FC236}">
+                <a16:creationId xmlns:a16="http://schemas.microsoft.com/office/drawing/2014/main" id="{73DA1412-D6F5-1045-A4A5-273B7A0B3FD1}"/>
+              </a:ext>
+            </a:extLst>
+          </p:cNvPr>
+          <p:cNvSpPr/>
+          <p:nvPr/>
+        </p:nvSpPr>
+        <p:spPr>
+          <a:xfrm>
+            <a:off x="2840392" y="579928"/>
+            <a:ext cx="5113421" cy="544081"/>
+          </a:xfrm>
+          <a:prstGeom prst="rect">
+            <a:avLst/>
+          </a:prstGeom>
+          <a:noFill/>
+          <a:ln>
+            <a:solidFill>
+              <a:schemeClr val="tx1"/>
+            </a:solidFill>
+          </a:ln>
+        </p:spPr>
+        <p:style>
+          <a:lnRef idx="2">
+            <a:schemeClr val="accent1">
+              <a:shade val="50000"/>
+            </a:schemeClr>
+          </a:lnRef>
+          <a:fillRef idx="1">
+            <a:schemeClr val="accent1"/>
+          </a:fillRef>
+          <a:effectRef idx="0">
+            <a:schemeClr val="accent1"/>
+          </a:effectRef>
+          <a:fontRef idx="minor">
+            <a:schemeClr val="lt1"/>
+          </a:fontRef>
+        </p:style>
+        <p:txBody>
+          <a:bodyPr rtlCol="0" anchor="ctr"/>
+          <a:lstStyle/>
+          <a:p>
             <a:pPr algn="ctr"/>
-            <a:r>
-              <a:rPr lang="en-US" dirty="0"/>
-              <a:t>Interdisciplinarity</a:t>
-            </a:r>
+            <a:endParaRPr lang="en-US"/>
           </a:p>
         </p:txBody>
       </p:sp>
